--- a/figures/Illustration.pptx
+++ b/figures/Illustration.pptx
@@ -106,6 +106,11 @@
       </a:defRPr>
     </a:lvl9pPr>
   </p:defaultTextStyle>
+  <p:extLst>
+    <p:ext uri="{EFAFB233-063F-42B5-8137-9DF3F51BA10A}">
+      <p15:sldGuideLst xmlns:p15="http://schemas.microsoft.com/office/powerpoint/2012/main"/>
+    </p:ext>
+  </p:extLst>
 </p:presentation>
 </file>
 
@@ -9697,8 +9702,8 @@
         </p:nvSpPr>
         <p:spPr>
           <a:xfrm>
-            <a:off x="8585743" y="1290332"/>
-            <a:ext cx="1569720" cy="300082"/>
+            <a:off x="8585742" y="1290332"/>
+            <a:ext cx="2612609" cy="300082"/>
           </a:xfrm>
           <a:prstGeom prst="rect">
             <a:avLst/>
@@ -9712,36 +9717,12 @@
           <a:lstStyle/>
           <a:p>
             <a:r>
-              <a:rPr lang="zh-CN" altLang="en-US" sz="1350">
-                <a:latin typeface="微软雅黑" panose="020B0503020204020204" charset="-122"/>
-                <a:ea typeface="微软雅黑" panose="020B0503020204020204" charset="-122"/>
-                <a:cs typeface="微软雅黑" panose="020B0503020204020204" charset="-122"/>
-              </a:rPr>
-              <a:t>机组</a:t>
-            </a:r>
-            <a:r>
               <a:rPr lang="en-US" altLang="zh-CN" sz="1350" dirty="0">
                 <a:latin typeface="微软雅黑" panose="020B0503020204020204" charset="-122"/>
                 <a:ea typeface="微软雅黑" panose="020B0503020204020204" charset="-122"/>
                 <a:cs typeface="微软雅黑" panose="020B0503020204020204" charset="-122"/>
               </a:rPr>
-              <a:t>1</a:t>
-            </a:r>
-            <a:r>
-              <a:rPr lang="zh-CN" altLang="en-US" sz="1350">
-                <a:latin typeface="微软雅黑" panose="020B0503020204020204" charset="-122"/>
-                <a:ea typeface="微软雅黑" panose="020B0503020204020204" charset="-122"/>
-                <a:cs typeface="微软雅黑" panose="020B0503020204020204" charset="-122"/>
-              </a:rPr>
-              <a:t>出力</a:t>
-            </a:r>
-            <a:r>
-              <a:rPr lang="en-US" altLang="zh-CN" sz="1350" dirty="0">
-                <a:latin typeface="微软雅黑" panose="020B0503020204020204" charset="-122"/>
-                <a:ea typeface="微软雅黑" panose="020B0503020204020204" charset="-122"/>
-                <a:cs typeface="微软雅黑" panose="020B0503020204020204" charset="-122"/>
-              </a:rPr>
-              <a:t>5MW</a:t>
+              <a:t>Generator set 1 output 5MW</a:t>
             </a:r>
           </a:p>
         </p:txBody>
@@ -9761,7 +9742,7 @@
         <p:spPr>
           <a:xfrm>
             <a:off x="8585743" y="1898504"/>
-            <a:ext cx="1569720" cy="300082"/>
+            <a:ext cx="2612608" cy="300082"/>
           </a:xfrm>
           <a:prstGeom prst="rect">
             <a:avLst/>
@@ -9775,36 +9756,12 @@
           <a:lstStyle/>
           <a:p>
             <a:r>
-              <a:rPr lang="zh-CN" altLang="en-US" sz="1350">
-                <a:latin typeface="微软雅黑" panose="020B0503020204020204" charset="-122"/>
-                <a:ea typeface="微软雅黑" panose="020B0503020204020204" charset="-122"/>
-                <a:cs typeface="微软雅黑" panose="020B0503020204020204" charset="-122"/>
-              </a:rPr>
-              <a:t>机组</a:t>
-            </a:r>
-            <a:r>
               <a:rPr lang="en-US" altLang="zh-CN" sz="1350" dirty="0">
                 <a:latin typeface="微软雅黑" panose="020B0503020204020204" charset="-122"/>
                 <a:ea typeface="微软雅黑" panose="020B0503020204020204" charset="-122"/>
                 <a:cs typeface="微软雅黑" panose="020B0503020204020204" charset="-122"/>
               </a:rPr>
-              <a:t>2</a:t>
-            </a:r>
-            <a:r>
-              <a:rPr lang="zh-CN" altLang="en-US" sz="1350">
-                <a:latin typeface="微软雅黑" panose="020B0503020204020204" charset="-122"/>
-                <a:ea typeface="微软雅黑" panose="020B0503020204020204" charset="-122"/>
-                <a:cs typeface="微软雅黑" panose="020B0503020204020204" charset="-122"/>
-              </a:rPr>
-              <a:t>出力</a:t>
-            </a:r>
-            <a:r>
-              <a:rPr lang="en-US" altLang="zh-CN" sz="1350" dirty="0">
-                <a:latin typeface="微软雅黑" panose="020B0503020204020204" charset="-122"/>
-                <a:ea typeface="微软雅黑" panose="020B0503020204020204" charset="-122"/>
-                <a:cs typeface="微软雅黑" panose="020B0503020204020204" charset="-122"/>
-              </a:rPr>
-              <a:t>2MW</a:t>
+              <a:t>Generator set 2 output 2MW</a:t>
             </a:r>
           </a:p>
         </p:txBody>
@@ -9823,8 +9780,8 @@
         </p:nvSpPr>
         <p:spPr>
           <a:xfrm>
-            <a:off x="8585743" y="2460002"/>
-            <a:ext cx="1569720" cy="300082"/>
+            <a:off x="8585742" y="2460002"/>
+            <a:ext cx="2612607" cy="300082"/>
           </a:xfrm>
           <a:prstGeom prst="rect">
             <a:avLst/>
@@ -9838,36 +9795,12 @@
           <a:lstStyle/>
           <a:p>
             <a:r>
-              <a:rPr lang="zh-CN" altLang="en-US" sz="1350">
-                <a:latin typeface="微软雅黑" panose="020B0503020204020204" charset="-122"/>
-                <a:ea typeface="微软雅黑" panose="020B0503020204020204" charset="-122"/>
-                <a:cs typeface="微软雅黑" panose="020B0503020204020204" charset="-122"/>
-              </a:rPr>
-              <a:t>机组</a:t>
-            </a:r>
-            <a:r>
               <a:rPr lang="en-US" altLang="zh-CN" sz="1350" dirty="0">
                 <a:latin typeface="微软雅黑" panose="020B0503020204020204" charset="-122"/>
                 <a:ea typeface="微软雅黑" panose="020B0503020204020204" charset="-122"/>
                 <a:cs typeface="微软雅黑" panose="020B0503020204020204" charset="-122"/>
               </a:rPr>
-              <a:t>3</a:t>
-            </a:r>
-            <a:r>
-              <a:rPr lang="zh-CN" altLang="en-US" sz="1350">
-                <a:latin typeface="微软雅黑" panose="020B0503020204020204" charset="-122"/>
-                <a:ea typeface="微软雅黑" panose="020B0503020204020204" charset="-122"/>
-                <a:cs typeface="微软雅黑" panose="020B0503020204020204" charset="-122"/>
-              </a:rPr>
-              <a:t>出力</a:t>
-            </a:r>
-            <a:r>
-              <a:rPr lang="en-US" altLang="zh-CN" sz="1350" dirty="0">
-                <a:latin typeface="微软雅黑" panose="020B0503020204020204" charset="-122"/>
-                <a:ea typeface="微软雅黑" panose="020B0503020204020204" charset="-122"/>
-                <a:cs typeface="微软雅黑" panose="020B0503020204020204" charset="-122"/>
-              </a:rPr>
-              <a:t>1MW</a:t>
+              <a:t>Generator set 3 output 1MW</a:t>
             </a:r>
           </a:p>
         </p:txBody>
@@ -9886,8 +9819,8 @@
         </p:nvSpPr>
         <p:spPr>
           <a:xfrm>
-            <a:off x="8534266" y="3173425"/>
-            <a:ext cx="1688825" cy="923330"/>
+            <a:off x="7945187" y="3332850"/>
+            <a:ext cx="3216589" cy="715581"/>
           </a:xfrm>
           <a:prstGeom prst="rect">
             <a:avLst/>
@@ -9906,55 +9839,17 @@
                 <a:ea typeface="微软雅黑" panose="020B0503020204020204" charset="-122"/>
                 <a:cs typeface="微软雅黑" panose="020B0503020204020204" charset="-122"/>
               </a:rPr>
-              <a:t>consensus</a:t>
+              <a:t>The consensus graph edge weight</a:t>
             </a:r>
-            <a:r>
-              <a:rPr lang="zh-CN" altLang="en-US" sz="1350" dirty="0">
-                <a:latin typeface="微软雅黑" panose="020B0503020204020204" charset="-122"/>
-                <a:ea typeface="微软雅黑" panose="020B0503020204020204" charset="-122"/>
-                <a:cs typeface="微软雅黑" panose="020B0503020204020204" charset="-122"/>
-              </a:rPr>
-              <a:t>赋权图的边的权重，表示机组</a:t>
-            </a:r>
+          </a:p>
+          <a:p>
             <a:r>
               <a:rPr lang="en-US" altLang="zh-CN" sz="1350" dirty="0">
                 <a:latin typeface="微软雅黑" panose="020B0503020204020204" charset="-122"/>
                 <a:ea typeface="微软雅黑" panose="020B0503020204020204" charset="-122"/>
                 <a:cs typeface="微软雅黑" panose="020B0503020204020204" charset="-122"/>
               </a:rPr>
-              <a:t>1</a:t>
-            </a:r>
-            <a:r>
-              <a:rPr lang="zh-CN" altLang="en-US" sz="1350" dirty="0">
-                <a:latin typeface="微软雅黑" panose="020B0503020204020204" charset="-122"/>
-                <a:ea typeface="微软雅黑" panose="020B0503020204020204" charset="-122"/>
-                <a:cs typeface="微软雅黑" panose="020B0503020204020204" charset="-122"/>
-              </a:rPr>
-              <a:t>把</a:t>
-            </a:r>
-            <a:r>
-              <a:rPr lang="en-US" altLang="zh-CN" sz="1350" dirty="0">
-                <a:latin typeface="微软雅黑" panose="020B0503020204020204" charset="-122"/>
-                <a:ea typeface="微软雅黑" panose="020B0503020204020204" charset="-122"/>
-                <a:cs typeface="微软雅黑" panose="020B0503020204020204" charset="-122"/>
-              </a:rPr>
-              <a:t>50%</a:t>
-            </a:r>
-            <a:r>
-              <a:rPr lang="zh-CN" altLang="en-US" sz="1350" dirty="0">
-                <a:latin typeface="微软雅黑" panose="020B0503020204020204" charset="-122"/>
-                <a:ea typeface="微软雅黑" panose="020B0503020204020204" charset="-122"/>
-                <a:cs typeface="微软雅黑" panose="020B0503020204020204" charset="-122"/>
-              </a:rPr>
-              <a:t>的出力转让给机组</a:t>
-            </a:r>
-            <a:r>
-              <a:rPr lang="en-US" altLang="zh-CN" sz="1350" dirty="0">
-                <a:latin typeface="微软雅黑" panose="020B0503020204020204" charset="-122"/>
-                <a:ea typeface="微软雅黑" panose="020B0503020204020204" charset="-122"/>
-                <a:cs typeface="微软雅黑" panose="020B0503020204020204" charset="-122"/>
-              </a:rPr>
-              <a:t>2</a:t>
+              <a:t>Indicating that unit 1 transfers 50% of the output to unit 2</a:t>
             </a:r>
           </a:p>
         </p:txBody>
@@ -10011,634 +9906,6 @@
           </a:p>
         </p:txBody>
       </p:sp>
-      <mc:AlternateContent xmlns:mc="http://schemas.openxmlformats.org/markup-compatibility/2006">
-        <mc:Choice xmlns:a14="http://schemas.microsoft.com/office/drawing/2010/main" Requires="a14">
-          <p:sp>
-            <p:nvSpPr>
-              <p:cNvPr id="23" name="文本框 22">
-                <a:extLst>
-                  <a:ext uri="{FF2B5EF4-FFF2-40B4-BE49-F238E27FC236}">
-                    <a16:creationId xmlns:a16="http://schemas.microsoft.com/office/drawing/2014/main" id="{888D420F-F154-427A-A5D7-317C589C735B}"/>
-                  </a:ext>
-                </a:extLst>
-              </p:cNvPr>
-              <p:cNvSpPr txBox="1"/>
-              <p:nvPr/>
-            </p:nvSpPr>
-            <p:spPr>
-              <a:xfrm>
-                <a:off x="1696094" y="1131265"/>
-                <a:ext cx="5428587" cy="1077218"/>
-              </a:xfrm>
-              <a:prstGeom prst="rect">
-                <a:avLst/>
-              </a:prstGeom>
-              <a:noFill/>
-            </p:spPr>
-            <p:txBody>
-              <a:bodyPr wrap="square" rtlCol="0">
-                <a:spAutoFit/>
-              </a:bodyPr>
-              <a:lstStyle/>
-              <a:p>
-                <a:r>
-                  <a:rPr lang="zh-CN" altLang="en-US" sz="1600" dirty="0">
-                    <a:latin typeface="微软雅黑" panose="020B0503020204020204" charset="-122"/>
-                    <a:ea typeface="微软雅黑" panose="020B0503020204020204" charset="-122"/>
-                    <a:cs typeface="微软雅黑" panose="020B0503020204020204" charset="-122"/>
-                  </a:rPr>
-                  <a:t>若机组</a:t>
-                </a:r>
-                <a:r>
-                  <a:rPr lang="en-US" altLang="zh-CN" sz="1600" dirty="0" err="1">
-                    <a:latin typeface="微软雅黑" panose="020B0503020204020204" charset="-122"/>
-                    <a:ea typeface="微软雅黑" panose="020B0503020204020204" charset="-122"/>
-                    <a:cs typeface="微软雅黑" panose="020B0503020204020204" charset="-122"/>
-                  </a:rPr>
-                  <a:t>i</a:t>
-                </a:r>
-                <a:r>
-                  <a:rPr lang="zh-CN" altLang="en-US" sz="1600" dirty="0">
-                    <a:latin typeface="微软雅黑" panose="020B0503020204020204" charset="-122"/>
-                    <a:ea typeface="微软雅黑" panose="020B0503020204020204" charset="-122"/>
-                    <a:cs typeface="微软雅黑" panose="020B0503020204020204" charset="-122"/>
-                  </a:rPr>
-                  <a:t>的成本微增率与出力成正比： </a:t>
-                </a:r>
-                <a14:m>
-                  <m:oMath xmlns:m="http://schemas.openxmlformats.org/officeDocument/2006/math">
-                    <m:sSub>
-                      <m:sSubPr>
-                        <m:ctrlPr>
-                          <a:rPr lang="en-US" altLang="zh-CN" sz="1600" i="1">
-                            <a:latin typeface="Cambria Math" panose="02040503050406030204" pitchFamily="18" charset="0"/>
-                            <a:ea typeface="微软雅黑" panose="020B0503020204020204" charset="-122"/>
-                            <a:cs typeface="微软雅黑" panose="020B0503020204020204" charset="-122"/>
-                          </a:rPr>
-                        </m:ctrlPr>
-                      </m:sSubPr>
-                      <m:e>
-                        <m:r>
-                          <a:rPr lang="en-US" altLang="zh-CN" sz="1600" i="1">
-                            <a:latin typeface="Cambria Math" panose="02040503050406030204" pitchFamily="18" charset="0"/>
-                            <a:ea typeface="微软雅黑" panose="020B0503020204020204" charset="-122"/>
-                            <a:cs typeface="微软雅黑" panose="020B0503020204020204" charset="-122"/>
-                          </a:rPr>
-                          <m:t>𝜆</m:t>
-                        </m:r>
-                      </m:e>
-                      <m:sub>
-                        <m:r>
-                          <a:rPr lang="en-US" altLang="zh-CN" sz="1600" i="1">
-                            <a:latin typeface="Cambria Math" panose="02040503050406030204" pitchFamily="18" charset="0"/>
-                            <a:ea typeface="微软雅黑" panose="020B0503020204020204" charset="-122"/>
-                            <a:cs typeface="微软雅黑" panose="020B0503020204020204" charset="-122"/>
-                          </a:rPr>
-                          <m:t>𝑖</m:t>
-                        </m:r>
-                      </m:sub>
-                    </m:sSub>
-                    <m:r>
-                      <a:rPr lang="en-US" altLang="zh-CN" sz="1600" i="1">
-                        <a:latin typeface="Cambria Math" panose="02040503050406030204" pitchFamily="18" charset="0"/>
-                        <a:ea typeface="微软雅黑" panose="020B0503020204020204" charset="-122"/>
-                        <a:cs typeface="微软雅黑" panose="020B0503020204020204" charset="-122"/>
-                      </a:rPr>
-                      <m:t>=</m:t>
-                    </m:r>
-                    <m:sSub>
-                      <m:sSubPr>
-                        <m:ctrlPr>
-                          <a:rPr lang="en-US" altLang="zh-CN" sz="1600" i="1">
-                            <a:latin typeface="Cambria Math" panose="02040503050406030204" pitchFamily="18" charset="0"/>
-                            <a:ea typeface="微软雅黑" panose="020B0503020204020204" charset="-122"/>
-                            <a:cs typeface="微软雅黑" panose="020B0503020204020204" charset="-122"/>
-                          </a:rPr>
-                        </m:ctrlPr>
-                      </m:sSubPr>
-                      <m:e>
-                        <m:r>
-                          <a:rPr lang="en-US" altLang="zh-CN" sz="1600" i="1">
-                            <a:latin typeface="Cambria Math" panose="02040503050406030204" pitchFamily="18" charset="0"/>
-                            <a:ea typeface="微软雅黑" panose="020B0503020204020204" charset="-122"/>
-                            <a:cs typeface="微软雅黑" panose="020B0503020204020204" charset="-122"/>
-                          </a:rPr>
-                          <m:t>𝑝</m:t>
-                        </m:r>
-                      </m:e>
-                      <m:sub>
-                        <m:r>
-                          <a:rPr lang="en-US" altLang="zh-CN" sz="1600" i="1">
-                            <a:latin typeface="Cambria Math" panose="02040503050406030204" pitchFamily="18" charset="0"/>
-                            <a:ea typeface="微软雅黑" panose="020B0503020204020204" charset="-122"/>
-                            <a:cs typeface="微软雅黑" panose="020B0503020204020204" charset="-122"/>
-                          </a:rPr>
-                          <m:t>𝑖</m:t>
-                        </m:r>
-                      </m:sub>
-                    </m:sSub>
-                    <m:sSub>
-                      <m:sSubPr>
-                        <m:ctrlPr>
-                          <a:rPr lang="en-US" altLang="zh-CN" sz="1600" i="1">
-                            <a:latin typeface="Cambria Math" panose="02040503050406030204" pitchFamily="18" charset="0"/>
-                            <a:ea typeface="微软雅黑" panose="020B0503020204020204" charset="-122"/>
-                            <a:cs typeface="微软雅黑" panose="020B0503020204020204" charset="-122"/>
-                          </a:rPr>
-                        </m:ctrlPr>
-                      </m:sSubPr>
-                      <m:e>
-                        <m:r>
-                          <a:rPr lang="en-US" altLang="zh-CN" sz="1600" i="1">
-                            <a:latin typeface="Cambria Math" panose="02040503050406030204" pitchFamily="18" charset="0"/>
-                            <a:ea typeface="微软雅黑" panose="020B0503020204020204" charset="-122"/>
-                            <a:cs typeface="微软雅黑" panose="020B0503020204020204" charset="-122"/>
-                          </a:rPr>
-                          <m:t>/</m:t>
-                        </m:r>
-                        <m:r>
-                          <a:rPr lang="en-US" altLang="zh-CN" sz="1600" i="1">
-                            <a:latin typeface="Cambria Math" panose="02040503050406030204" pitchFamily="18" charset="0"/>
-                            <a:ea typeface="微软雅黑" panose="020B0503020204020204" charset="-122"/>
-                            <a:cs typeface="微软雅黑" panose="020B0503020204020204" charset="-122"/>
-                          </a:rPr>
-                          <m:t>𝛽</m:t>
-                        </m:r>
-                      </m:e>
-                      <m:sub>
-                        <m:r>
-                          <a:rPr lang="en-US" altLang="zh-CN" sz="1600" i="1">
-                            <a:latin typeface="Cambria Math" panose="02040503050406030204" pitchFamily="18" charset="0"/>
-                            <a:ea typeface="微软雅黑" panose="020B0503020204020204" charset="-122"/>
-                            <a:cs typeface="微软雅黑" panose="020B0503020204020204" charset="-122"/>
-                          </a:rPr>
-                          <m:t>𝑖</m:t>
-                        </m:r>
-                      </m:sub>
-                    </m:sSub>
-                  </m:oMath>
-                </a14:m>
-                <a:endParaRPr lang="en-US" altLang="zh-CN" sz="1600" dirty="0">
-                  <a:latin typeface="微软雅黑" panose="020B0503020204020204" charset="-122"/>
-                  <a:ea typeface="微软雅黑" panose="020B0503020204020204" charset="-122"/>
-                  <a:cs typeface="微软雅黑" panose="020B0503020204020204" charset="-122"/>
-                </a:endParaRPr>
-              </a:p>
-              <a:p>
-                <a:r>
-                  <a:rPr lang="zh-CN" altLang="en-US" sz="1600" dirty="0">
-                    <a:latin typeface="微软雅黑" panose="020B0503020204020204" charset="-122"/>
-                    <a:ea typeface="微软雅黑" panose="020B0503020204020204" charset="-122"/>
-                    <a:cs typeface="微软雅黑" panose="020B0503020204020204" charset="-122"/>
-                  </a:rPr>
-                  <a:t>设</a:t>
-                </a:r>
-                <a14:m>
-                  <m:oMath xmlns:m="http://schemas.openxmlformats.org/officeDocument/2006/math">
-                    <m:sSub>
-                      <m:sSubPr>
-                        <m:ctrlPr>
-                          <a:rPr lang="en-US" altLang="zh-CN" sz="1600" i="1">
-                            <a:latin typeface="Cambria Math" panose="02040503050406030204" pitchFamily="18" charset="0"/>
-                            <a:ea typeface="微软雅黑" panose="020B0503020204020204" charset="-122"/>
-                            <a:cs typeface="微软雅黑" panose="020B0503020204020204" charset="-122"/>
-                          </a:rPr>
-                        </m:ctrlPr>
-                      </m:sSubPr>
-                      <m:e>
-                        <m:r>
-                          <a:rPr lang="en-US" altLang="zh-CN" sz="1600" i="1">
-                            <a:latin typeface="Cambria Math" panose="02040503050406030204" pitchFamily="18" charset="0"/>
-                            <a:ea typeface="微软雅黑" panose="020B0503020204020204" charset="-122"/>
-                            <a:cs typeface="微软雅黑" panose="020B0503020204020204" charset="-122"/>
-                          </a:rPr>
-                          <m:t>𝜆</m:t>
-                        </m:r>
-                      </m:e>
-                      <m:sub>
-                        <m:r>
-                          <a:rPr lang="en-US" altLang="zh-CN" sz="1600" i="1">
-                            <a:latin typeface="Cambria Math" panose="02040503050406030204" pitchFamily="18" charset="0"/>
-                            <a:ea typeface="微软雅黑" panose="020B0503020204020204" charset="-122"/>
-                            <a:cs typeface="微软雅黑" panose="020B0503020204020204" charset="-122"/>
-                          </a:rPr>
-                          <m:t>1</m:t>
-                        </m:r>
-                      </m:sub>
-                    </m:sSub>
-                    <m:r>
-                      <a:rPr lang="en-US" altLang="zh-CN" sz="1600" i="1">
-                        <a:latin typeface="Cambria Math" panose="02040503050406030204" pitchFamily="18" charset="0"/>
-                        <a:ea typeface="微软雅黑" panose="020B0503020204020204" charset="-122"/>
-                        <a:cs typeface="微软雅黑" panose="020B0503020204020204" charset="-122"/>
-                      </a:rPr>
-                      <m:t>=</m:t>
-                    </m:r>
-                    <m:sSub>
-                      <m:sSubPr>
-                        <m:ctrlPr>
-                          <a:rPr lang="en-US" altLang="zh-CN" sz="1600" i="1">
-                            <a:latin typeface="Cambria Math" panose="02040503050406030204" pitchFamily="18" charset="0"/>
-                            <a:ea typeface="微软雅黑" panose="020B0503020204020204" charset="-122"/>
-                            <a:cs typeface="微软雅黑" panose="020B0503020204020204" charset="-122"/>
-                          </a:rPr>
-                        </m:ctrlPr>
-                      </m:sSubPr>
-                      <m:e>
-                        <m:r>
-                          <a:rPr lang="en-US" altLang="zh-CN" sz="1600" i="1">
-                            <a:latin typeface="Cambria Math" panose="02040503050406030204" pitchFamily="18" charset="0"/>
-                            <a:ea typeface="微软雅黑" panose="020B0503020204020204" charset="-122"/>
-                            <a:cs typeface="微软雅黑" panose="020B0503020204020204" charset="-122"/>
-                          </a:rPr>
-                          <m:t>𝑝</m:t>
-                        </m:r>
-                      </m:e>
-                      <m:sub>
-                        <m:r>
-                          <a:rPr lang="en-US" altLang="zh-CN" sz="1600" i="1">
-                            <a:latin typeface="Cambria Math" panose="02040503050406030204" pitchFamily="18" charset="0"/>
-                            <a:ea typeface="微软雅黑" panose="020B0503020204020204" charset="-122"/>
-                            <a:cs typeface="微软雅黑" panose="020B0503020204020204" charset="-122"/>
-                          </a:rPr>
-                          <m:t>1</m:t>
-                        </m:r>
-                      </m:sub>
-                    </m:sSub>
-                    <m:r>
-                      <a:rPr lang="en-US" altLang="zh-CN" sz="1600" i="1">
-                        <a:latin typeface="Cambria Math" panose="02040503050406030204" pitchFamily="18" charset="0"/>
-                        <a:ea typeface="微软雅黑" panose="020B0503020204020204" charset="-122"/>
-                        <a:cs typeface="微软雅黑" panose="020B0503020204020204" charset="-122"/>
-                      </a:rPr>
-                      <m:t>/3</m:t>
-                    </m:r>
-                  </m:oMath>
-                </a14:m>
-                <a:r>
-                  <a:rPr lang="zh-CN" altLang="en-US" sz="1600" dirty="0">
-                    <a:latin typeface="微软雅黑" panose="020B0503020204020204" charset="-122"/>
-                    <a:ea typeface="微软雅黑" panose="020B0503020204020204" charset="-122"/>
-                    <a:cs typeface="微软雅黑" panose="020B0503020204020204" charset="-122"/>
-                  </a:rPr>
-                  <a:t>，</a:t>
-                </a:r>
-                <a14:m>
-                  <m:oMath xmlns:m="http://schemas.openxmlformats.org/officeDocument/2006/math">
-                    <m:sSub>
-                      <m:sSubPr>
-                        <m:ctrlPr>
-                          <a:rPr lang="en-US" altLang="zh-CN" sz="1600" i="1">
-                            <a:latin typeface="Cambria Math" panose="02040503050406030204" pitchFamily="18" charset="0"/>
-                            <a:ea typeface="微软雅黑" panose="020B0503020204020204" charset="-122"/>
-                            <a:cs typeface="微软雅黑" panose="020B0503020204020204" charset="-122"/>
-                          </a:rPr>
-                        </m:ctrlPr>
-                      </m:sSubPr>
-                      <m:e>
-                        <m:r>
-                          <a:rPr lang="en-US" altLang="zh-CN" sz="1600" i="1">
-                            <a:latin typeface="Cambria Math" panose="02040503050406030204" pitchFamily="18" charset="0"/>
-                            <a:ea typeface="微软雅黑" panose="020B0503020204020204" charset="-122"/>
-                            <a:cs typeface="微软雅黑" panose="020B0503020204020204" charset="-122"/>
-                          </a:rPr>
-                          <m:t>𝜆</m:t>
-                        </m:r>
-                      </m:e>
-                      <m:sub>
-                        <m:r>
-                          <a:rPr lang="en-US" altLang="zh-CN" sz="1600" i="1">
-                            <a:latin typeface="Cambria Math" panose="02040503050406030204" pitchFamily="18" charset="0"/>
-                            <a:ea typeface="微软雅黑" panose="020B0503020204020204" charset="-122"/>
-                            <a:cs typeface="微软雅黑" panose="020B0503020204020204" charset="-122"/>
-                          </a:rPr>
-                          <m:t>2</m:t>
-                        </m:r>
-                      </m:sub>
-                    </m:sSub>
-                    <m:r>
-                      <a:rPr lang="en-US" altLang="zh-CN" sz="1600" i="1">
-                        <a:latin typeface="Cambria Math" panose="02040503050406030204" pitchFamily="18" charset="0"/>
-                        <a:ea typeface="微软雅黑" panose="020B0503020204020204" charset="-122"/>
-                        <a:cs typeface="微软雅黑" panose="020B0503020204020204" charset="-122"/>
-                      </a:rPr>
-                      <m:t>=</m:t>
-                    </m:r>
-                    <m:sSub>
-                      <m:sSubPr>
-                        <m:ctrlPr>
-                          <a:rPr lang="en-US" altLang="zh-CN" sz="1600" i="1">
-                            <a:latin typeface="Cambria Math" panose="02040503050406030204" pitchFamily="18" charset="0"/>
-                            <a:ea typeface="微软雅黑" panose="020B0503020204020204" charset="-122"/>
-                            <a:cs typeface="微软雅黑" panose="020B0503020204020204" charset="-122"/>
-                          </a:rPr>
-                        </m:ctrlPr>
-                      </m:sSubPr>
-                      <m:e>
-                        <m:r>
-                          <a:rPr lang="en-US" altLang="zh-CN" sz="1600" i="1">
-                            <a:latin typeface="Cambria Math" panose="02040503050406030204" pitchFamily="18" charset="0"/>
-                            <a:ea typeface="微软雅黑" panose="020B0503020204020204" charset="-122"/>
-                            <a:cs typeface="微软雅黑" panose="020B0503020204020204" charset="-122"/>
-                          </a:rPr>
-                          <m:t>𝑝</m:t>
-                        </m:r>
-                      </m:e>
-                      <m:sub>
-                        <m:r>
-                          <a:rPr lang="en-US" altLang="zh-CN" sz="1600" i="1">
-                            <a:latin typeface="Cambria Math" panose="02040503050406030204" pitchFamily="18" charset="0"/>
-                            <a:ea typeface="微软雅黑" panose="020B0503020204020204" charset="-122"/>
-                            <a:cs typeface="微软雅黑" panose="020B0503020204020204" charset="-122"/>
-                          </a:rPr>
-                          <m:t>2</m:t>
-                        </m:r>
-                      </m:sub>
-                    </m:sSub>
-                    <m:r>
-                      <a:rPr lang="en-US" altLang="zh-CN" sz="1600" i="1">
-                        <a:latin typeface="Cambria Math" panose="02040503050406030204" pitchFamily="18" charset="0"/>
-                        <a:ea typeface="微软雅黑" panose="020B0503020204020204" charset="-122"/>
-                        <a:cs typeface="微软雅黑" panose="020B0503020204020204" charset="-122"/>
-                      </a:rPr>
-                      <m:t>/3</m:t>
-                    </m:r>
-                  </m:oMath>
-                </a14:m>
-                <a:r>
-                  <a:rPr lang="zh-CN" altLang="en-US" sz="1600" dirty="0">
-                    <a:latin typeface="微软雅黑" panose="020B0503020204020204" charset="-122"/>
-                    <a:ea typeface="微软雅黑" panose="020B0503020204020204" charset="-122"/>
-                    <a:cs typeface="微软雅黑" panose="020B0503020204020204" charset="-122"/>
-                  </a:rPr>
-                  <a:t>，</a:t>
-                </a:r>
-                <a14:m>
-                  <m:oMath xmlns:m="http://schemas.openxmlformats.org/officeDocument/2006/math">
-                    <m:sSub>
-                      <m:sSubPr>
-                        <m:ctrlPr>
-                          <a:rPr lang="en-US" altLang="zh-CN" sz="1600" i="1">
-                            <a:latin typeface="Cambria Math" panose="02040503050406030204" pitchFamily="18" charset="0"/>
-                            <a:ea typeface="微软雅黑" panose="020B0503020204020204" charset="-122"/>
-                            <a:cs typeface="微软雅黑" panose="020B0503020204020204" charset="-122"/>
-                          </a:rPr>
-                        </m:ctrlPr>
-                      </m:sSubPr>
-                      <m:e>
-                        <m:r>
-                          <a:rPr lang="en-US" altLang="zh-CN" sz="1600" i="1">
-                            <a:latin typeface="Cambria Math" panose="02040503050406030204" pitchFamily="18" charset="0"/>
-                            <a:ea typeface="微软雅黑" panose="020B0503020204020204" charset="-122"/>
-                            <a:cs typeface="微软雅黑" panose="020B0503020204020204" charset="-122"/>
-                          </a:rPr>
-                          <m:t>𝜆</m:t>
-                        </m:r>
-                      </m:e>
-                      <m:sub>
-                        <m:r>
-                          <a:rPr lang="en-US" altLang="zh-CN" sz="1600" i="1">
-                            <a:latin typeface="Cambria Math" panose="02040503050406030204" pitchFamily="18" charset="0"/>
-                            <a:ea typeface="微软雅黑" panose="020B0503020204020204" charset="-122"/>
-                            <a:cs typeface="微软雅黑" panose="020B0503020204020204" charset="-122"/>
-                          </a:rPr>
-                          <m:t>3</m:t>
-                        </m:r>
-                      </m:sub>
-                    </m:sSub>
-                    <m:r>
-                      <a:rPr lang="en-US" altLang="zh-CN" sz="1600" i="1">
-                        <a:latin typeface="Cambria Math" panose="02040503050406030204" pitchFamily="18" charset="0"/>
-                        <a:ea typeface="微软雅黑" panose="020B0503020204020204" charset="-122"/>
-                        <a:cs typeface="微软雅黑" panose="020B0503020204020204" charset="-122"/>
-                      </a:rPr>
-                      <m:t>=</m:t>
-                    </m:r>
-                    <m:sSub>
-                      <m:sSubPr>
-                        <m:ctrlPr>
-                          <a:rPr lang="en-US" altLang="zh-CN" sz="1600" i="1">
-                            <a:latin typeface="Cambria Math" panose="02040503050406030204" pitchFamily="18" charset="0"/>
-                            <a:ea typeface="微软雅黑" panose="020B0503020204020204" charset="-122"/>
-                            <a:cs typeface="微软雅黑" panose="020B0503020204020204" charset="-122"/>
-                          </a:rPr>
-                        </m:ctrlPr>
-                      </m:sSubPr>
-                      <m:e>
-                        <m:r>
-                          <a:rPr lang="en-US" altLang="zh-CN" sz="1600" i="1">
-                            <a:latin typeface="Cambria Math" panose="02040503050406030204" pitchFamily="18" charset="0"/>
-                            <a:ea typeface="微软雅黑" panose="020B0503020204020204" charset="-122"/>
-                            <a:cs typeface="微软雅黑" panose="020B0503020204020204" charset="-122"/>
-                          </a:rPr>
-                          <m:t>𝑝</m:t>
-                        </m:r>
-                      </m:e>
-                      <m:sub>
-                        <m:r>
-                          <a:rPr lang="en-US" altLang="zh-CN" sz="1600" i="1">
-                            <a:latin typeface="Cambria Math" panose="02040503050406030204" pitchFamily="18" charset="0"/>
-                            <a:ea typeface="微软雅黑" panose="020B0503020204020204" charset="-122"/>
-                            <a:cs typeface="微软雅黑" panose="020B0503020204020204" charset="-122"/>
-                          </a:rPr>
-                          <m:t>3</m:t>
-                        </m:r>
-                      </m:sub>
-                    </m:sSub>
-                    <m:r>
-                      <a:rPr lang="en-US" altLang="zh-CN" sz="1600" i="1">
-                        <a:latin typeface="Cambria Math" panose="02040503050406030204" pitchFamily="18" charset="0"/>
-                        <a:ea typeface="微软雅黑" panose="020B0503020204020204" charset="-122"/>
-                        <a:cs typeface="微软雅黑" panose="020B0503020204020204" charset="-122"/>
-                      </a:rPr>
-                      <m:t>/3</m:t>
-                    </m:r>
-                  </m:oMath>
-                </a14:m>
-                <a:endParaRPr lang="en-US" altLang="zh-CN" sz="1600" dirty="0">
-                  <a:latin typeface="微软雅黑" panose="020B0503020204020204" charset="-122"/>
-                  <a:ea typeface="微软雅黑" panose="020B0503020204020204" charset="-122"/>
-                  <a:cs typeface="微软雅黑" panose="020B0503020204020204" charset="-122"/>
-                </a:endParaRPr>
-              </a:p>
-              <a:p>
-                <a:r>
-                  <a:rPr lang="zh-CN" altLang="en-US" sz="1600" b="1" dirty="0">
-                    <a:solidFill>
-                      <a:srgbClr val="FF0000"/>
-                    </a:solidFill>
-                    <a:latin typeface="微软雅黑" panose="020B0503020204020204" charset="-122"/>
-                    <a:ea typeface="微软雅黑" panose="020B0503020204020204" charset="-122"/>
-                    <a:cs typeface="微软雅黑" panose="020B0503020204020204" charset="-122"/>
-                  </a:rPr>
-                  <a:t>初始出力随机</a:t>
-                </a:r>
-                <a:r>
-                  <a:rPr lang="zh-CN" altLang="en-US" sz="1600" dirty="0">
-                    <a:latin typeface="微软雅黑" panose="020B0503020204020204" charset="-122"/>
-                    <a:ea typeface="微软雅黑" panose="020B0503020204020204" charset="-122"/>
-                    <a:cs typeface="微软雅黑" panose="020B0503020204020204" charset="-122"/>
-                  </a:rPr>
-                  <a:t>，假定为</a:t>
-                </a:r>
-                <a:r>
-                  <a:rPr lang="en-US" altLang="zh-CN" sz="1600" dirty="0">
-                    <a:latin typeface="微软雅黑" panose="020B0503020204020204" charset="-122"/>
-                    <a:ea typeface="微软雅黑" panose="020B0503020204020204" charset="-122"/>
-                    <a:cs typeface="微软雅黑" panose="020B0503020204020204" charset="-122"/>
-                  </a:rPr>
-                  <a:t>5MW</a:t>
-                </a:r>
-                <a:r>
-                  <a:rPr lang="zh-CN" altLang="en-US" sz="1600" dirty="0">
-                    <a:latin typeface="微软雅黑" panose="020B0503020204020204" charset="-122"/>
-                    <a:ea typeface="微软雅黑" panose="020B0503020204020204" charset="-122"/>
-                    <a:cs typeface="微软雅黑" panose="020B0503020204020204" charset="-122"/>
-                  </a:rPr>
-                  <a:t>、</a:t>
-                </a:r>
-                <a:r>
-                  <a:rPr lang="en-US" altLang="zh-CN" sz="1600" dirty="0">
-                    <a:latin typeface="微软雅黑" panose="020B0503020204020204" charset="-122"/>
-                    <a:ea typeface="微软雅黑" panose="020B0503020204020204" charset="-122"/>
-                    <a:cs typeface="微软雅黑" panose="020B0503020204020204" charset="-122"/>
-                  </a:rPr>
-                  <a:t>2MW</a:t>
-                </a:r>
-                <a:r>
-                  <a:rPr lang="zh-CN" altLang="en-US" sz="1600" dirty="0">
-                    <a:latin typeface="微软雅黑" panose="020B0503020204020204" charset="-122"/>
-                    <a:ea typeface="微软雅黑" panose="020B0503020204020204" charset="-122"/>
-                    <a:cs typeface="微软雅黑" panose="020B0503020204020204" charset="-122"/>
-                  </a:rPr>
-                  <a:t>、</a:t>
-                </a:r>
-                <a:r>
-                  <a:rPr lang="en-US" altLang="zh-CN" sz="1600" dirty="0">
-                    <a:latin typeface="微软雅黑" panose="020B0503020204020204" charset="-122"/>
-                    <a:ea typeface="微软雅黑" panose="020B0503020204020204" charset="-122"/>
-                    <a:cs typeface="微软雅黑" panose="020B0503020204020204" charset="-122"/>
-                  </a:rPr>
-                  <a:t>1MW</a:t>
-                </a:r>
-                <a:r>
-                  <a:rPr lang="zh-CN" altLang="en-US" sz="1600" dirty="0">
-                    <a:latin typeface="微软雅黑" panose="020B0503020204020204" charset="-122"/>
-                    <a:ea typeface="微软雅黑" panose="020B0503020204020204" charset="-122"/>
-                    <a:cs typeface="微软雅黑" panose="020B0503020204020204" charset="-122"/>
-                  </a:rPr>
-                  <a:t>。</a:t>
-                </a:r>
-                <a:endParaRPr lang="en-US" altLang="zh-CN" sz="1600" dirty="0">
-                  <a:latin typeface="微软雅黑" panose="020B0503020204020204" charset="-122"/>
-                  <a:ea typeface="微软雅黑" panose="020B0503020204020204" charset="-122"/>
-                  <a:cs typeface="微软雅黑" panose="020B0503020204020204" charset="-122"/>
-                </a:endParaRPr>
-              </a:p>
-              <a:p>
-                <a:r>
-                  <a:rPr lang="zh-CN" altLang="en-US" sz="1600" dirty="0">
-                    <a:latin typeface="微软雅黑" panose="020B0503020204020204" charset="-122"/>
-                    <a:ea typeface="微软雅黑" panose="020B0503020204020204" charset="-122"/>
-                    <a:cs typeface="微软雅黑" panose="020B0503020204020204" charset="-122"/>
-                  </a:rPr>
-                  <a:t>目标：</a:t>
-                </a:r>
-                <a:r>
-                  <a:rPr lang="zh-CN" altLang="en-US" sz="1600" b="1" dirty="0">
-                    <a:solidFill>
-                      <a:srgbClr val="FF0000"/>
-                    </a:solidFill>
-                    <a:latin typeface="微软雅黑" panose="020B0503020204020204" charset="-122"/>
-                    <a:ea typeface="微软雅黑" panose="020B0503020204020204" charset="-122"/>
-                    <a:cs typeface="微软雅黑" panose="020B0503020204020204" charset="-122"/>
-                  </a:rPr>
-                  <a:t>出力变为</a:t>
-                </a:r>
-                <a:r>
-                  <a:rPr lang="en-US" altLang="zh-CN" sz="1600" b="1" dirty="0">
-                    <a:solidFill>
-                      <a:srgbClr val="FF0000"/>
-                    </a:solidFill>
-                    <a:latin typeface="微软雅黑" panose="020B0503020204020204" charset="-122"/>
-                    <a:ea typeface="微软雅黑" panose="020B0503020204020204" charset="-122"/>
-                    <a:cs typeface="微软雅黑" panose="020B0503020204020204" charset="-122"/>
-                  </a:rPr>
-                  <a:t>1:1:1</a:t>
-                </a:r>
-                <a:r>
-                  <a:rPr lang="zh-CN" altLang="en-US" sz="1600" b="1" dirty="0">
-                    <a:solidFill>
-                      <a:srgbClr val="FF0000"/>
-                    </a:solidFill>
-                    <a:latin typeface="微软雅黑" panose="020B0503020204020204" charset="-122"/>
-                    <a:ea typeface="微软雅黑" panose="020B0503020204020204" charset="-122"/>
-                    <a:cs typeface="微软雅黑" panose="020B0503020204020204" charset="-122"/>
-                  </a:rPr>
-                  <a:t>，实现等微增率原则，经济最优</a:t>
-                </a:r>
-                <a:r>
-                  <a:rPr lang="zh-CN" altLang="en-US" sz="1600" dirty="0">
-                    <a:latin typeface="微软雅黑" panose="020B0503020204020204" charset="-122"/>
-                    <a:ea typeface="微软雅黑" panose="020B0503020204020204" charset="-122"/>
-                    <a:cs typeface="微软雅黑" panose="020B0503020204020204" charset="-122"/>
-                  </a:rPr>
-                  <a:t>。</a:t>
-                </a:r>
-                <a:endParaRPr lang="en-US" altLang="zh-CN" sz="1600" dirty="0">
-                  <a:latin typeface="微软雅黑" panose="020B0503020204020204" charset="-122"/>
-                  <a:ea typeface="微软雅黑" panose="020B0503020204020204" charset="-122"/>
-                  <a:cs typeface="微软雅黑" panose="020B0503020204020204" charset="-122"/>
-                </a:endParaRPr>
-              </a:p>
-            </p:txBody>
-          </p:sp>
-        </mc:Choice>
-        <mc:Fallback>
-          <p:sp>
-            <p:nvSpPr>
-              <p:cNvPr id="23" name="文本框 22">
-                <a:extLst>
-                  <a:ext uri="{FF2B5EF4-FFF2-40B4-BE49-F238E27FC236}">
-                    <a16:creationId xmlns:a16="http://schemas.microsoft.com/office/drawing/2014/main" id="{888D420F-F154-427A-A5D7-317C589C735B}"/>
-                  </a:ext>
-                </a:extLst>
-              </p:cNvPr>
-              <p:cNvSpPr txBox="1">
-                <a:spLocks noRot="1" noChangeAspect="1" noMove="1" noResize="1" noEditPoints="1" noAdjustHandles="1" noChangeArrowheads="1" noChangeShapeType="1" noTextEdit="1"/>
-              </p:cNvSpPr>
-              <p:nvPr/>
-            </p:nvSpPr>
-            <p:spPr>
-              <a:xfrm>
-                <a:off x="1696094" y="1131265"/>
-                <a:ext cx="5428587" cy="1077218"/>
-              </a:xfrm>
-              <a:prstGeom prst="rect">
-                <a:avLst/>
-              </a:prstGeom>
-              <a:blipFill>
-                <a:blip r:embed="rId5"/>
-                <a:stretch>
-                  <a:fillRect l="-561" t="-1705" b="-6818"/>
-                </a:stretch>
-              </a:blipFill>
-            </p:spPr>
-            <p:txBody>
-              <a:bodyPr/>
-              <a:lstStyle/>
-              <a:p>
-                <a:r>
-                  <a:rPr lang="zh-CN" altLang="en-US">
-                    <a:noFill/>
-                  </a:rPr>
-                  <a:t> </a:t>
-                </a:r>
-              </a:p>
-            </p:txBody>
-          </p:sp>
-        </mc:Fallback>
-      </mc:AlternateContent>
       <p:pic>
         <p:nvPicPr>
           <p:cNvPr id="24" name="图片 23">
@@ -10654,7 +9921,7 @@
           <p:nvPr/>
         </p:nvPicPr>
         <p:blipFill>
-          <a:blip r:embed="rId6"/>
+          <a:blip r:embed="rId5"/>
           <a:stretch>
             <a:fillRect/>
           </a:stretch>
@@ -10669,8 +9936,8 @@
           </a:prstGeom>
         </p:spPr>
       </p:pic>
-      <mc:AlternateContent xmlns:mc="http://schemas.openxmlformats.org/markup-compatibility/2006">
-        <mc:Choice xmlns:a14="http://schemas.microsoft.com/office/drawing/2010/main" Requires="a14">
+      <mc:AlternateContent xmlns:mc="http://schemas.openxmlformats.org/markup-compatibility/2006" xmlns:a14="http://schemas.microsoft.com/office/drawing/2010/main">
+        <mc:Choice Requires="a14">
           <p:sp>
             <p:nvSpPr>
               <p:cNvPr id="25" name="文本框 24">
@@ -10970,7 +10237,7 @@
             </p:txBody>
           </p:sp>
         </mc:Choice>
-        <mc:Fallback>
+        <mc:Fallback xmlns="">
           <p:sp>
             <p:nvSpPr>
               <p:cNvPr id="25" name="文本框 24">
@@ -11086,8 +10353,8 @@
         </p:nvSpPr>
         <p:spPr>
           <a:xfrm>
-            <a:off x="1972734" y="3507818"/>
-            <a:ext cx="1712328" cy="369332"/>
+            <a:off x="1288080" y="3523241"/>
+            <a:ext cx="3343159" cy="369332"/>
           </a:xfrm>
           <a:prstGeom prst="rect">
             <a:avLst/>
@@ -11101,16 +10368,6 @@
           <a:lstStyle/>
           <a:p>
             <a:r>
-              <a:rPr lang="zh-CN" altLang="en-US" b="1" dirty="0">
-                <a:solidFill>
-                  <a:srgbClr val="00B050"/>
-                </a:solidFill>
-                <a:latin typeface="微软雅黑" panose="020B0503020204020204" pitchFamily="34" charset="-122"/>
-                <a:ea typeface="微软雅黑" panose="020B0503020204020204" pitchFamily="34" charset="-122"/>
-              </a:rPr>
-              <a:t>节点</a:t>
-            </a:r>
-            <a:r>
               <a:rPr lang="en-US" altLang="zh-CN" b="1" dirty="0">
                 <a:solidFill>
                   <a:srgbClr val="00B050"/>
@@ -11118,18 +10375,15 @@
                 <a:latin typeface="微软雅黑" panose="020B0503020204020204" pitchFamily="34" charset="-122"/>
                 <a:ea typeface="微软雅黑" panose="020B0503020204020204" pitchFamily="34" charset="-122"/>
               </a:rPr>
-              <a:t>1</a:t>
+              <a:t>Node 1 known information</a:t>
             </a:r>
-            <a:r>
-              <a:rPr lang="zh-CN" altLang="en-US" b="1" dirty="0">
-                <a:solidFill>
-                  <a:srgbClr val="00B050"/>
-                </a:solidFill>
-                <a:latin typeface="微软雅黑" panose="020B0503020204020204" pitchFamily="34" charset="-122"/>
-                <a:ea typeface="微软雅黑" panose="020B0503020204020204" pitchFamily="34" charset="-122"/>
-              </a:rPr>
-              <a:t>已知信息</a:t>
-            </a:r>
+            <a:endParaRPr lang="zh-CN" altLang="en-US" b="1" dirty="0">
+              <a:solidFill>
+                <a:srgbClr val="00B050"/>
+              </a:solidFill>
+              <a:latin typeface="微软雅黑" panose="020B0503020204020204" pitchFamily="34" charset="-122"/>
+              <a:ea typeface="微软雅黑" panose="020B0503020204020204" pitchFamily="34" charset="-122"/>
+            </a:endParaRPr>
           </a:p>
         </p:txBody>
       </p:sp>
@@ -12432,8 +11686,8 @@
           </a:p>
         </p:txBody>
       </p:sp>
-      <mc:AlternateContent xmlns:mc="http://schemas.openxmlformats.org/markup-compatibility/2006">
-        <mc:Choice xmlns:a14="http://schemas.microsoft.com/office/drawing/2010/main" Requires="a14">
+      <mc:AlternateContent xmlns:mc="http://schemas.openxmlformats.org/markup-compatibility/2006" xmlns:a14="http://schemas.microsoft.com/office/drawing/2010/main">
+        <mc:Choice Requires="a14">
           <p:sp>
             <p:nvSpPr>
               <p:cNvPr id="30" name="文本框 29">
@@ -12614,7 +11868,7 @@
             </p:txBody>
           </p:sp>
         </mc:Choice>
-        <mc:Fallback>
+        <mc:Fallback xmlns="">
           <p:sp>
             <p:nvSpPr>
               <p:cNvPr id="30" name="文本框 29">
@@ -13245,8 +12499,8 @@
           </a:p>
         </p:txBody>
       </p:sp>
-      <mc:AlternateContent xmlns:mc="http://schemas.openxmlformats.org/markup-compatibility/2006">
-        <mc:Choice xmlns:a14="http://schemas.microsoft.com/office/drawing/2010/main" Requires="a14">
+      <mc:AlternateContent xmlns:mc="http://schemas.openxmlformats.org/markup-compatibility/2006" xmlns:a14="http://schemas.microsoft.com/office/drawing/2010/main">
+        <mc:Choice Requires="a14">
           <p:sp>
             <p:nvSpPr>
               <p:cNvPr id="42" name="文本框 41">
@@ -13546,7 +12800,7 @@
             </p:txBody>
           </p:sp>
         </mc:Choice>
-        <mc:Fallback>
+        <mc:Fallback xmlns="">
           <p:sp>
             <p:nvSpPr>
               <p:cNvPr id="42" name="文本框 41">

--- a/figures/Illustration.pptx
+++ b/figures/Illustration.pptx
@@ -9518,7 +9518,7 @@
         </p:blipFill>
         <p:spPr>
           <a:xfrm>
-            <a:off x="7945187" y="1762296"/>
+            <a:off x="6597631" y="3520451"/>
             <a:ext cx="577215" cy="548640"/>
           </a:xfrm>
           <a:prstGeom prst="rect">
@@ -9540,7 +9540,7 @@
         </p:nvCxnSpPr>
         <p:spPr>
           <a:xfrm>
-            <a:off x="7962332" y="3132944"/>
+            <a:off x="6614776" y="4891099"/>
             <a:ext cx="1286351" cy="0"/>
           </a:xfrm>
           <a:prstGeom prst="straightConnector1">
@@ -9583,7 +9583,7 @@
         </p:nvSpPr>
         <p:spPr>
           <a:xfrm>
-            <a:off x="8103778" y="3036742"/>
+            <a:off x="6756222" y="4794897"/>
             <a:ext cx="549593" cy="220504"/>
           </a:xfrm>
           <a:prstGeom prst="roundRect">
@@ -9650,7 +9650,7 @@
         </p:blipFill>
         <p:spPr>
           <a:xfrm>
-            <a:off x="7945187" y="1131265"/>
+            <a:off x="6597631" y="2889420"/>
             <a:ext cx="565785" cy="594360"/>
           </a:xfrm>
           <a:prstGeom prst="rect">
@@ -9680,7 +9680,7 @@
         </p:blipFill>
         <p:spPr>
           <a:xfrm>
-            <a:off x="7888513" y="2336178"/>
+            <a:off x="6540957" y="4094333"/>
             <a:ext cx="697230" cy="668655"/>
           </a:xfrm>
           <a:prstGeom prst="rect">
@@ -9702,7 +9702,7 @@
         </p:nvSpPr>
         <p:spPr>
           <a:xfrm>
-            <a:off x="8585742" y="1290332"/>
+            <a:off x="7238186" y="3048487"/>
             <a:ext cx="2612609" cy="300082"/>
           </a:xfrm>
           <a:prstGeom prst="rect">
@@ -9741,7 +9741,7 @@
         </p:nvSpPr>
         <p:spPr>
           <a:xfrm>
-            <a:off x="8585743" y="1898504"/>
+            <a:off x="7238187" y="3656659"/>
             <a:ext cx="2612608" cy="300082"/>
           </a:xfrm>
           <a:prstGeom prst="rect">
@@ -9780,7 +9780,7 @@
         </p:nvSpPr>
         <p:spPr>
           <a:xfrm>
-            <a:off x="8585742" y="2460002"/>
+            <a:off x="7238186" y="4218157"/>
             <a:ext cx="2612607" cy="300082"/>
           </a:xfrm>
           <a:prstGeom prst="rect">
@@ -9819,7 +9819,7 @@
         </p:nvSpPr>
         <p:spPr>
           <a:xfrm>
-            <a:off x="7945187" y="3332850"/>
+            <a:off x="6597631" y="5091005"/>
             <a:ext cx="3216589" cy="715581"/>
           </a:xfrm>
           <a:prstGeom prst="rect">
@@ -9851,58 +9851,6 @@
               </a:rPr>
               <a:t>Indicating that unit 1 transfers 50% of the output to unit 2</a:t>
             </a:r>
-          </a:p>
-        </p:txBody>
-      </p:sp>
-      <p:sp>
-        <p:nvSpPr>
-          <p:cNvPr id="22" name="文本框 21">
-            <a:extLst>
-              <a:ext uri="{FF2B5EF4-FFF2-40B4-BE49-F238E27FC236}">
-                <a16:creationId xmlns:a16="http://schemas.microsoft.com/office/drawing/2014/main" id="{AD87B9DF-6FBD-4605-9BF7-C2A558982815}"/>
-              </a:ext>
-            </a:extLst>
-          </p:cNvPr>
-          <p:cNvSpPr txBox="1"/>
-          <p:nvPr/>
-        </p:nvSpPr>
-        <p:spPr>
-          <a:xfrm>
-            <a:off x="7555930" y="5218101"/>
-            <a:ext cx="3385506" cy="923330"/>
-          </a:xfrm>
-          <a:prstGeom prst="rect">
-            <a:avLst/>
-          </a:prstGeom>
-          <a:noFill/>
-        </p:spPr>
-        <p:txBody>
-          <a:bodyPr wrap="square" rtlCol="0">
-            <a:spAutoFit/>
-          </a:bodyPr>
-          <a:lstStyle/>
-          <a:p>
-            <a:r>
-              <a:rPr lang="zh-CN" altLang="en-US" dirty="0">
-                <a:latin typeface="微软雅黑" panose="020B0503020204020204" charset="-122"/>
-                <a:ea typeface="微软雅黑" panose="020B0503020204020204" charset="-122"/>
-                <a:cs typeface="微软雅黑" panose="020B0503020204020204" charset="-122"/>
-              </a:rPr>
-              <a:t>说明：根据等微增率原则，需要在保持总出力不变前提下使得机组出力比例变成</a:t>
-            </a:r>
-            <a:r>
-              <a:rPr lang="en-US" altLang="zh-CN" dirty="0">
-                <a:latin typeface="微软雅黑" panose="020B0503020204020204" charset="-122"/>
-                <a:ea typeface="微软雅黑" panose="020B0503020204020204" charset="-122"/>
-                <a:cs typeface="微软雅黑" panose="020B0503020204020204" charset="-122"/>
-              </a:rPr>
-              <a:t>1:1:1</a:t>
-            </a:r>
-            <a:endParaRPr lang="zh-CN" altLang="en-US" dirty="0">
-              <a:latin typeface="微软雅黑" panose="020B0503020204020204" charset="-122"/>
-              <a:ea typeface="微软雅黑" panose="020B0503020204020204" charset="-122"/>
-              <a:cs typeface="微软雅黑" panose="020B0503020204020204" charset="-122"/>
-            </a:endParaRPr>
           </a:p>
         </p:txBody>
       </p:sp>
@@ -9936,352 +9884,6 @@
           </a:prstGeom>
         </p:spPr>
       </p:pic>
-      <mc:AlternateContent xmlns:mc="http://schemas.openxmlformats.org/markup-compatibility/2006" xmlns:a14="http://schemas.microsoft.com/office/drawing/2010/main">
-        <mc:Choice Requires="a14">
-          <p:sp>
-            <p:nvSpPr>
-              <p:cNvPr id="25" name="文本框 24">
-                <a:extLst>
-                  <a:ext uri="{FF2B5EF4-FFF2-40B4-BE49-F238E27FC236}">
-                    <a16:creationId xmlns:a16="http://schemas.microsoft.com/office/drawing/2014/main" id="{0E9E475F-ECF4-4EC1-BF8D-92086C871441}"/>
-                  </a:ext>
-                </a:extLst>
-              </p:cNvPr>
-              <p:cNvSpPr txBox="1"/>
-              <p:nvPr/>
-            </p:nvSpPr>
-            <p:spPr>
-              <a:xfrm>
-                <a:off x="7555930" y="4091705"/>
-                <a:ext cx="2926635" cy="1107547"/>
-              </a:xfrm>
-              <a:prstGeom prst="rect">
-                <a:avLst/>
-              </a:prstGeom>
-              <a:noFill/>
-            </p:spPr>
-            <p:txBody>
-              <a:bodyPr wrap="none" rtlCol="0">
-                <a:spAutoFit/>
-              </a:bodyPr>
-              <a:lstStyle/>
-              <a:p>
-                <a:r>
-                  <a:rPr lang="zh-CN" altLang="en-US" dirty="0">
-                    <a:solidFill>
-                      <a:srgbClr val="FF0000"/>
-                    </a:solidFill>
-                    <a:latin typeface="微软雅黑" panose="020B0503020204020204" pitchFamily="34" charset="-122"/>
-                    <a:ea typeface="微软雅黑" panose="020B0503020204020204" pitchFamily="34" charset="-122"/>
-                  </a:rPr>
-                  <a:t>过渡矩阵</a:t>
-                </a:r>
-                <a:endParaRPr lang="en-US" altLang="zh-CN" dirty="0">
-                  <a:solidFill>
-                    <a:srgbClr val="FF0000"/>
-                  </a:solidFill>
-                  <a:latin typeface="微软雅黑" panose="020B0503020204020204" pitchFamily="34" charset="-122"/>
-                  <a:ea typeface="微软雅黑" panose="020B0503020204020204" pitchFamily="34" charset="-122"/>
-                </a:endParaRPr>
-              </a:p>
-              <a:p>
-                <a:pPr/>
-                <a14:m>
-                  <m:oMathPara xmlns:m="http://schemas.openxmlformats.org/officeDocument/2006/math">
-                    <m:oMathParaPr>
-                      <m:jc m:val="centerGroup"/>
-                    </m:oMathParaPr>
-                    <m:oMath xmlns:m="http://schemas.openxmlformats.org/officeDocument/2006/math">
-                      <m:r>
-                        <a:rPr lang="en-US" altLang="zh-CN" b="0" i="1" smtClean="0">
-                          <a:latin typeface="Cambria Math" panose="02040503050406030204" pitchFamily="18" charset="0"/>
-                          <a:ea typeface="微软雅黑" panose="020B0503020204020204" pitchFamily="34" charset="-122"/>
-                        </a:rPr>
-                        <m:t>𝑄</m:t>
-                      </m:r>
-                      <m:r>
-                        <a:rPr lang="en-US" altLang="zh-CN" b="0" i="1" smtClean="0">
-                          <a:latin typeface="Cambria Math" panose="02040503050406030204" pitchFamily="18" charset="0"/>
-                          <a:ea typeface="微软雅黑" panose="020B0503020204020204" pitchFamily="34" charset="-122"/>
-                        </a:rPr>
-                        <m:t>=</m:t>
-                      </m:r>
-                      <m:d>
-                        <m:dPr>
-                          <m:begChr m:val="["/>
-                          <m:endChr m:val="]"/>
-                          <m:ctrlPr>
-                            <a:rPr lang="en-US" altLang="zh-CN" b="0" i="1" smtClean="0">
-                              <a:latin typeface="Cambria Math" panose="02040503050406030204" pitchFamily="18" charset="0"/>
-                              <a:ea typeface="微软雅黑" panose="020B0503020204020204" pitchFamily="34" charset="-122"/>
-                            </a:rPr>
-                          </m:ctrlPr>
-                        </m:dPr>
-                        <m:e>
-                          <m:m>
-                            <m:mPr>
-                              <m:mcs>
-                                <m:mc>
-                                  <m:mcPr>
-                                    <m:count m:val="3"/>
-                                    <m:mcJc m:val="center"/>
-                                  </m:mcPr>
-                                </m:mc>
-                              </m:mcs>
-                              <m:ctrlPr>
-                                <a:rPr lang="en-US" altLang="zh-CN" b="0" i="1" smtClean="0">
-                                  <a:latin typeface="Cambria Math" panose="02040503050406030204" pitchFamily="18" charset="0"/>
-                                  <a:ea typeface="微软雅黑" panose="020B0503020204020204" pitchFamily="34" charset="-122"/>
-                                </a:rPr>
-                              </m:ctrlPr>
-                            </m:mPr>
-                            <m:mr>
-                              <m:e>
-                                <m:r>
-                                  <m:rPr>
-                                    <m:brk m:alnAt="7"/>
-                                  </m:rPr>
-                                  <a:rPr lang="en-US" altLang="zh-CN" b="0" i="1" smtClean="0">
-                                    <a:latin typeface="Cambria Math" panose="02040503050406030204" pitchFamily="18" charset="0"/>
-                                    <a:ea typeface="微软雅黑" panose="020B0503020204020204" pitchFamily="34" charset="-122"/>
-                                  </a:rPr>
-                                  <m:t>0</m:t>
-                                </m:r>
-                                <m:r>
-                                  <a:rPr lang="en-US" altLang="zh-CN" b="0" i="1" smtClean="0">
-                                    <a:latin typeface="Cambria Math" panose="02040503050406030204" pitchFamily="18" charset="0"/>
-                                    <a:ea typeface="微软雅黑" panose="020B0503020204020204" pitchFamily="34" charset="-122"/>
-                                  </a:rPr>
-                                  <m:t>.5</m:t>
-                                </m:r>
-                                <m:r>
-                                  <a:rPr lang="en-US" altLang="zh-CN" i="1">
-                                    <a:latin typeface="Cambria Math" panose="02040503050406030204" pitchFamily="18" charset="0"/>
-                                    <a:ea typeface="微软雅黑" panose="020B0503020204020204" pitchFamily="34" charset="-122"/>
-                                  </a:rPr>
-                                  <m:t>0</m:t>
-                                </m:r>
-                              </m:e>
-                              <m:e>
-                                <m:r>
-                                  <a:rPr lang="en-US" altLang="zh-CN" b="0" i="1" smtClean="0">
-                                    <a:latin typeface="Cambria Math" panose="02040503050406030204" pitchFamily="18" charset="0"/>
-                                    <a:ea typeface="微软雅黑" panose="020B0503020204020204" pitchFamily="34" charset="-122"/>
-                                  </a:rPr>
-                                  <m:t>0</m:t>
-                                </m:r>
-                              </m:e>
-                              <m:e>
-                                <m:r>
-                                  <a:rPr lang="en-US" altLang="zh-CN" b="0" i="1" smtClean="0">
-                                    <a:latin typeface="Cambria Math" panose="02040503050406030204" pitchFamily="18" charset="0"/>
-                                    <a:ea typeface="微软雅黑" panose="020B0503020204020204" pitchFamily="34" charset="-122"/>
-                                  </a:rPr>
-                                  <m:t>0.</m:t>
-                                </m:r>
-                                <m:r>
-                                  <a:rPr lang="en-US" altLang="zh-CN" i="1">
-                                    <a:latin typeface="Cambria Math" panose="02040503050406030204" pitchFamily="18" charset="0"/>
-                                    <a:ea typeface="微软雅黑" panose="020B0503020204020204" pitchFamily="34" charset="-122"/>
-                                  </a:rPr>
-                                  <m:t>3</m:t>
-                                </m:r>
-                                <m:r>
-                                  <a:rPr lang="en-US" altLang="zh-CN" i="1" smtClean="0">
-                                    <a:latin typeface="Cambria Math" panose="02040503050406030204" pitchFamily="18" charset="0"/>
-                                    <a:ea typeface="微软雅黑" panose="020B0503020204020204" pitchFamily="34" charset="-122"/>
-                                  </a:rPr>
-                                  <m:t>3</m:t>
-                                </m:r>
-                              </m:e>
-                            </m:mr>
-                            <m:mr>
-                              <m:e>
-                                <m:r>
-                                  <a:rPr lang="en-US" altLang="zh-CN" b="0" i="1" smtClean="0">
-                                    <a:latin typeface="Cambria Math" panose="02040503050406030204" pitchFamily="18" charset="0"/>
-                                    <a:ea typeface="微软雅黑" panose="020B0503020204020204" pitchFamily="34" charset="-122"/>
-                                  </a:rPr>
-                                  <m:t>0.</m:t>
-                                </m:r>
-                                <m:r>
-                                  <a:rPr lang="en-US" altLang="zh-CN" i="1">
-                                    <a:latin typeface="Cambria Math" panose="02040503050406030204" pitchFamily="18" charset="0"/>
-                                    <a:ea typeface="微软雅黑" panose="020B0503020204020204" pitchFamily="34" charset="-122"/>
-                                  </a:rPr>
-                                  <m:t>5</m:t>
-                                </m:r>
-                                <m:r>
-                                  <a:rPr lang="en-US" altLang="zh-CN" i="1" smtClean="0">
-                                    <a:latin typeface="Cambria Math" panose="02040503050406030204" pitchFamily="18" charset="0"/>
-                                    <a:ea typeface="微软雅黑" panose="020B0503020204020204" pitchFamily="34" charset="-122"/>
-                                  </a:rPr>
-                                  <m:t>0</m:t>
-                                </m:r>
-                              </m:e>
-                              <m:e>
-                                <m:r>
-                                  <a:rPr lang="en-US" altLang="zh-CN" b="0" i="1" smtClean="0">
-                                    <a:latin typeface="Cambria Math" panose="02040503050406030204" pitchFamily="18" charset="0"/>
-                                    <a:ea typeface="微软雅黑" panose="020B0503020204020204" pitchFamily="34" charset="-122"/>
-                                  </a:rPr>
-                                  <m:t>0.</m:t>
-                                </m:r>
-                                <m:r>
-                                  <a:rPr lang="en-US" altLang="zh-CN" i="1">
-                                    <a:latin typeface="Cambria Math" panose="02040503050406030204" pitchFamily="18" charset="0"/>
-                                    <a:ea typeface="微软雅黑" panose="020B0503020204020204" pitchFamily="34" charset="-122"/>
-                                  </a:rPr>
-                                  <m:t>5</m:t>
-                                </m:r>
-                                <m:r>
-                                  <a:rPr lang="en-US" altLang="zh-CN" i="1" smtClean="0">
-                                    <a:latin typeface="Cambria Math" panose="02040503050406030204" pitchFamily="18" charset="0"/>
-                                    <a:ea typeface="微软雅黑" panose="020B0503020204020204" pitchFamily="34" charset="-122"/>
-                                  </a:rPr>
-                                  <m:t>0</m:t>
-                                </m:r>
-                              </m:e>
-                              <m:e>
-                                <m:r>
-                                  <a:rPr lang="en-US" altLang="zh-CN" b="0" i="1" smtClean="0">
-                                    <a:latin typeface="Cambria Math" panose="02040503050406030204" pitchFamily="18" charset="0"/>
-                                    <a:ea typeface="微软雅黑" panose="020B0503020204020204" pitchFamily="34" charset="-122"/>
-                                  </a:rPr>
-                                  <m:t>0.</m:t>
-                                </m:r>
-                                <m:r>
-                                  <a:rPr lang="en-US" altLang="zh-CN" i="1">
-                                    <a:latin typeface="Cambria Math" panose="02040503050406030204" pitchFamily="18" charset="0"/>
-                                    <a:ea typeface="微软雅黑" panose="020B0503020204020204" pitchFamily="34" charset="-122"/>
-                                  </a:rPr>
-                                  <m:t>3</m:t>
-                                </m:r>
-                                <m:r>
-                                  <a:rPr lang="en-US" altLang="zh-CN" i="1" smtClean="0">
-                                    <a:latin typeface="Cambria Math" panose="02040503050406030204" pitchFamily="18" charset="0"/>
-                                    <a:ea typeface="微软雅黑" panose="020B0503020204020204" pitchFamily="34" charset="-122"/>
-                                  </a:rPr>
-                                  <m:t>3</m:t>
-                                </m:r>
-                              </m:e>
-                            </m:mr>
-                            <m:mr>
-                              <m:e>
-                                <m:r>
-                                  <a:rPr lang="en-US" altLang="zh-CN" b="0" i="1" smtClean="0">
-                                    <a:latin typeface="Cambria Math" panose="02040503050406030204" pitchFamily="18" charset="0"/>
-                                    <a:ea typeface="微软雅黑" panose="020B0503020204020204" pitchFamily="34" charset="-122"/>
-                                  </a:rPr>
-                                  <m:t>0</m:t>
-                                </m:r>
-                              </m:e>
-                              <m:e>
-                                <m:r>
-                                  <a:rPr lang="en-US" altLang="zh-CN" b="0" i="1" smtClean="0">
-                                    <a:latin typeface="Cambria Math" panose="02040503050406030204" pitchFamily="18" charset="0"/>
-                                    <a:ea typeface="微软雅黑" panose="020B0503020204020204" pitchFamily="34" charset="-122"/>
-                                  </a:rPr>
-                                  <m:t>0.</m:t>
-                                </m:r>
-                                <m:r>
-                                  <a:rPr lang="en-US" altLang="zh-CN" i="1">
-                                    <a:latin typeface="Cambria Math" panose="02040503050406030204" pitchFamily="18" charset="0"/>
-                                    <a:ea typeface="微软雅黑" panose="020B0503020204020204" pitchFamily="34" charset="-122"/>
-                                  </a:rPr>
-                                  <m:t>5</m:t>
-                                </m:r>
-                                <m:r>
-                                  <a:rPr lang="en-US" altLang="zh-CN" i="1" smtClean="0">
-                                    <a:latin typeface="Cambria Math" panose="02040503050406030204" pitchFamily="18" charset="0"/>
-                                    <a:ea typeface="微软雅黑" panose="020B0503020204020204" pitchFamily="34" charset="-122"/>
-                                  </a:rPr>
-                                  <m:t>0</m:t>
-                                </m:r>
-                              </m:e>
-                              <m:e>
-                                <m:r>
-                                  <a:rPr lang="en-US" altLang="zh-CN" b="0" i="1" smtClean="0">
-                                    <a:latin typeface="Cambria Math" panose="02040503050406030204" pitchFamily="18" charset="0"/>
-                                    <a:ea typeface="微软雅黑" panose="020B0503020204020204" pitchFamily="34" charset="-122"/>
-                                  </a:rPr>
-                                  <m:t>0.</m:t>
-                                </m:r>
-                                <m:r>
-                                  <a:rPr lang="en-US" altLang="zh-CN" i="1">
-                                    <a:latin typeface="Cambria Math" panose="02040503050406030204" pitchFamily="18" charset="0"/>
-                                    <a:ea typeface="微软雅黑" panose="020B0503020204020204" pitchFamily="34" charset="-122"/>
-                                  </a:rPr>
-                                  <m:t>3</m:t>
-                                </m:r>
-                                <m:r>
-                                  <a:rPr lang="en-US" altLang="zh-CN" i="1" smtClean="0">
-                                    <a:latin typeface="Cambria Math" panose="02040503050406030204" pitchFamily="18" charset="0"/>
-                                    <a:ea typeface="微软雅黑" panose="020B0503020204020204" pitchFamily="34" charset="-122"/>
-                                  </a:rPr>
-                                  <m:t>3</m:t>
-                                </m:r>
-                              </m:e>
-                            </m:mr>
-                          </m:m>
-                        </m:e>
-                      </m:d>
-                    </m:oMath>
-                  </m:oMathPara>
-                </a14:m>
-                <a:endParaRPr lang="zh-CN" altLang="en-US" dirty="0">
-                  <a:latin typeface="微软雅黑" panose="020B0503020204020204" pitchFamily="34" charset="-122"/>
-                  <a:ea typeface="微软雅黑" panose="020B0503020204020204" pitchFamily="34" charset="-122"/>
-                </a:endParaRPr>
-              </a:p>
-            </p:txBody>
-          </p:sp>
-        </mc:Choice>
-        <mc:Fallback xmlns="">
-          <p:sp>
-            <p:nvSpPr>
-              <p:cNvPr id="25" name="文本框 24">
-                <a:extLst>
-                  <a:ext uri="{FF2B5EF4-FFF2-40B4-BE49-F238E27FC236}">
-                    <a16:creationId xmlns:a16="http://schemas.microsoft.com/office/drawing/2014/main" id="{0E9E475F-ECF4-4EC1-BF8D-92086C871441}"/>
-                  </a:ext>
-                </a:extLst>
-              </p:cNvPr>
-              <p:cNvSpPr txBox="1">
-                <a:spLocks noRot="1" noChangeAspect="1" noMove="1" noResize="1" noEditPoints="1" noAdjustHandles="1" noChangeArrowheads="1" noChangeShapeType="1" noTextEdit="1"/>
-              </p:cNvSpPr>
-              <p:nvPr/>
-            </p:nvSpPr>
-            <p:spPr>
-              <a:xfrm>
-                <a:off x="7555930" y="4091705"/>
-                <a:ext cx="2926635" cy="1107547"/>
-              </a:xfrm>
-              <a:prstGeom prst="rect">
-                <a:avLst/>
-              </a:prstGeom>
-              <a:blipFill>
-                <a:blip r:embed="rId7"/>
-                <a:stretch>
-                  <a:fillRect l="-1663" t="-2747"/>
-                </a:stretch>
-              </a:blipFill>
-            </p:spPr>
-            <p:txBody>
-              <a:bodyPr/>
-              <a:lstStyle/>
-              <a:p>
-                <a:r>
-                  <a:rPr lang="zh-CN" altLang="en-US">
-                    <a:noFill/>
-                  </a:rPr>
-                  <a:t> </a:t>
-                </a:r>
-              </a:p>
-            </p:txBody>
-          </p:sp>
-        </mc:Fallback>
-      </mc:AlternateContent>
       <p:sp>
         <p:nvSpPr>
           <p:cNvPr id="26" name="矩形 25">
@@ -11637,284 +11239,6 @@
       </p:sp>
       <p:sp>
         <p:nvSpPr>
-          <p:cNvPr id="29" name="文本框 28">
-            <a:extLst>
-              <a:ext uri="{FF2B5EF4-FFF2-40B4-BE49-F238E27FC236}">
-                <a16:creationId xmlns:a16="http://schemas.microsoft.com/office/drawing/2014/main" id="{BC0EB6DC-F95A-4B5C-B942-77048350DA60}"/>
-              </a:ext>
-            </a:extLst>
-          </p:cNvPr>
-          <p:cNvSpPr txBox="1"/>
-          <p:nvPr/>
-        </p:nvSpPr>
-        <p:spPr>
-          <a:xfrm>
-            <a:off x="7604433" y="5362794"/>
-            <a:ext cx="3571431" cy="923330"/>
-          </a:xfrm>
-          <a:prstGeom prst="rect">
-            <a:avLst/>
-          </a:prstGeom>
-          <a:noFill/>
-        </p:spPr>
-        <p:txBody>
-          <a:bodyPr wrap="square" rtlCol="0">
-            <a:spAutoFit/>
-          </a:bodyPr>
-          <a:lstStyle/>
-          <a:p>
-            <a:r>
-              <a:rPr lang="zh-CN" altLang="en-US" dirty="0">
-                <a:latin typeface="微软雅黑" panose="020B0503020204020204" pitchFamily="34" charset="-122"/>
-                <a:ea typeface="微软雅黑" panose="020B0503020204020204" pitchFamily="34" charset="-122"/>
-              </a:rPr>
-              <a:t>链式通信协议物理含义：</a:t>
-            </a:r>
-            <a:endParaRPr lang="en-US" altLang="zh-CN" dirty="0">
-              <a:latin typeface="微软雅黑" panose="020B0503020204020204" pitchFamily="34" charset="-122"/>
-              <a:ea typeface="微软雅黑" panose="020B0503020204020204" pitchFamily="34" charset="-122"/>
-            </a:endParaRPr>
-          </a:p>
-          <a:p>
-            <a:r>
-              <a:rPr lang="zh-CN" altLang="en-US" dirty="0">
-                <a:latin typeface="微软雅黑" panose="020B0503020204020204" pitchFamily="34" charset="-122"/>
-                <a:ea typeface="微软雅黑" panose="020B0503020204020204" pitchFamily="34" charset="-122"/>
-              </a:rPr>
-              <a:t>每一回合，每台机组将自身出力按特定比例转移给相邻节点。</a:t>
-            </a:r>
-          </a:p>
-        </p:txBody>
-      </p:sp>
-      <mc:AlternateContent xmlns:mc="http://schemas.openxmlformats.org/markup-compatibility/2006" xmlns:a14="http://schemas.microsoft.com/office/drawing/2010/main">
-        <mc:Choice Requires="a14">
-          <p:sp>
-            <p:nvSpPr>
-              <p:cNvPr id="30" name="文本框 29">
-                <a:extLst>
-                  <a:ext uri="{FF2B5EF4-FFF2-40B4-BE49-F238E27FC236}">
-                    <a16:creationId xmlns:a16="http://schemas.microsoft.com/office/drawing/2014/main" id="{F3FC990A-7EC1-46F7-819E-6D1F14F71D1D}"/>
-                  </a:ext>
-                </a:extLst>
-              </p:cNvPr>
-              <p:cNvSpPr txBox="1"/>
-              <p:nvPr/>
-            </p:nvSpPr>
-            <p:spPr>
-              <a:xfrm>
-                <a:off x="2313906" y="1160321"/>
-                <a:ext cx="3571431" cy="379784"/>
-              </a:xfrm>
-              <a:prstGeom prst="rect">
-                <a:avLst/>
-              </a:prstGeom>
-              <a:noFill/>
-            </p:spPr>
-            <p:txBody>
-              <a:bodyPr wrap="square" rtlCol="0">
-                <a:spAutoFit/>
-              </a:bodyPr>
-              <a:lstStyle/>
-              <a:p>
-                <a:r>
-                  <a:rPr lang="zh-CN" altLang="en-US" dirty="0">
-                    <a:solidFill>
-                      <a:schemeClr val="tx1"/>
-                    </a:solidFill>
-                    <a:latin typeface="微软雅黑" panose="020B0503020204020204" pitchFamily="34" charset="-122"/>
-                    <a:ea typeface="微软雅黑" panose="020B0503020204020204" pitchFamily="34" charset="-122"/>
-                  </a:rPr>
-                  <a:t>数学含义：</a:t>
-                </a:r>
-                <a14:m>
-                  <m:oMath xmlns:m="http://schemas.openxmlformats.org/officeDocument/2006/math">
-                    <m:sSup>
-                      <m:sSupPr>
-                        <m:ctrlPr>
-                          <a:rPr lang="zh-CN" altLang="zh-CN" b="1" i="1" smtClean="0">
-                            <a:solidFill>
-                              <a:schemeClr val="tx1"/>
-                            </a:solidFill>
-                            <a:latin typeface="Cambria Math" panose="02040503050406030204" pitchFamily="18" charset="0"/>
-                          </a:rPr>
-                        </m:ctrlPr>
-                      </m:sSupPr>
-                      <m:e>
-                        <m:r>
-                          <a:rPr lang="en-US" altLang="zh-CN" b="1" i="1">
-                            <a:solidFill>
-                              <a:schemeClr val="tx1"/>
-                            </a:solidFill>
-                            <a:latin typeface="Cambria Math" panose="02040503050406030204" pitchFamily="18" charset="0"/>
-                          </a:rPr>
-                          <m:t>𝒔</m:t>
-                        </m:r>
-                      </m:e>
-                      <m:sup>
-                        <m:r>
-                          <a:rPr lang="en-US" altLang="zh-CN" b="1" i="1">
-                            <a:solidFill>
-                              <a:schemeClr val="tx1"/>
-                            </a:solidFill>
-                            <a:latin typeface="Cambria Math" panose="02040503050406030204" pitchFamily="18" charset="0"/>
-                          </a:rPr>
-                          <m:t>𝒌</m:t>
-                        </m:r>
-                        <m:r>
-                          <a:rPr lang="en-US" altLang="zh-CN" b="1" i="1">
-                            <a:solidFill>
-                              <a:schemeClr val="tx1"/>
-                            </a:solidFill>
-                            <a:latin typeface="Cambria Math" panose="02040503050406030204" pitchFamily="18" charset="0"/>
-                          </a:rPr>
-                          <m:t>+</m:t>
-                        </m:r>
-                        <m:r>
-                          <a:rPr lang="en-US" altLang="zh-CN" b="1" i="1">
-                            <a:solidFill>
-                              <a:schemeClr val="tx1"/>
-                            </a:solidFill>
-                            <a:latin typeface="Cambria Math" panose="02040503050406030204" pitchFamily="18" charset="0"/>
-                          </a:rPr>
-                          <m:t>𝟏</m:t>
-                        </m:r>
-                      </m:sup>
-                    </m:sSup>
-                    <m:r>
-                      <a:rPr lang="en-US" altLang="zh-CN" b="1" i="1">
-                        <a:solidFill>
-                          <a:schemeClr val="tx1"/>
-                        </a:solidFill>
-                        <a:latin typeface="Cambria Math" panose="02040503050406030204" pitchFamily="18" charset="0"/>
-                      </a:rPr>
-                      <m:t>=</m:t>
-                    </m:r>
-                    <m:r>
-                      <a:rPr lang="en-US" altLang="zh-CN" b="1" i="1">
-                        <a:solidFill>
-                          <a:schemeClr val="tx1"/>
-                        </a:solidFill>
-                        <a:latin typeface="Cambria Math" panose="02040503050406030204" pitchFamily="18" charset="0"/>
-                      </a:rPr>
-                      <m:t>𝑸</m:t>
-                    </m:r>
-                    <m:sSup>
-                      <m:sSupPr>
-                        <m:ctrlPr>
-                          <a:rPr lang="zh-CN" altLang="zh-CN" b="1" i="1">
-                            <a:solidFill>
-                              <a:schemeClr val="tx1"/>
-                            </a:solidFill>
-                            <a:latin typeface="Cambria Math" panose="02040503050406030204" pitchFamily="18" charset="0"/>
-                          </a:rPr>
-                        </m:ctrlPr>
-                      </m:sSupPr>
-                      <m:e>
-                        <m:r>
-                          <a:rPr lang="en-US" altLang="zh-CN" b="1" i="1">
-                            <a:solidFill>
-                              <a:schemeClr val="tx1"/>
-                            </a:solidFill>
-                            <a:latin typeface="Cambria Math" panose="02040503050406030204" pitchFamily="18" charset="0"/>
-                          </a:rPr>
-                          <m:t>𝒔</m:t>
-                        </m:r>
-                      </m:e>
-                      <m:sup>
-                        <m:r>
-                          <a:rPr lang="en-US" altLang="zh-CN" b="1" i="1">
-                            <a:solidFill>
-                              <a:schemeClr val="tx1"/>
-                            </a:solidFill>
-                            <a:latin typeface="Cambria Math" panose="02040503050406030204" pitchFamily="18" charset="0"/>
-                          </a:rPr>
-                          <m:t>𝒌</m:t>
-                        </m:r>
-                      </m:sup>
-                    </m:sSup>
-                  </m:oMath>
-                </a14:m>
-                <a:r>
-                  <a:rPr lang="zh-CN" altLang="en-US" dirty="0">
-                    <a:solidFill>
-                      <a:schemeClr val="tx1"/>
-                    </a:solidFill>
-                    <a:latin typeface="微软雅黑" panose="020B0503020204020204" pitchFamily="34" charset="-122"/>
-                    <a:ea typeface="微软雅黑" panose="020B0503020204020204" pitchFamily="34" charset="-122"/>
-                  </a:rPr>
-                  <a:t>，</a:t>
-                </a:r>
-                <a:r>
-                  <a:rPr lang="en-US" altLang="zh-CN" dirty="0">
-                    <a:solidFill>
-                      <a:schemeClr val="tx1"/>
-                    </a:solidFill>
-                    <a:latin typeface="微软雅黑" panose="020B0503020204020204" pitchFamily="34" charset="-122"/>
-                    <a:ea typeface="微软雅黑" panose="020B0503020204020204" pitchFamily="34" charset="-122"/>
-                  </a:rPr>
-                  <a:t>s</a:t>
-                </a:r>
-                <a:r>
-                  <a:rPr lang="zh-CN" altLang="en-US" dirty="0">
-                    <a:solidFill>
-                      <a:schemeClr val="tx1"/>
-                    </a:solidFill>
-                    <a:latin typeface="微软雅黑" panose="020B0503020204020204" pitchFamily="34" charset="-122"/>
-                    <a:ea typeface="微软雅黑" panose="020B0503020204020204" pitchFamily="34" charset="-122"/>
-                  </a:rPr>
-                  <a:t>是出力</a:t>
-                </a:r>
-              </a:p>
-            </p:txBody>
-          </p:sp>
-        </mc:Choice>
-        <mc:Fallback xmlns="">
-          <p:sp>
-            <p:nvSpPr>
-              <p:cNvPr id="30" name="文本框 29">
-                <a:extLst>
-                  <a:ext uri="{FF2B5EF4-FFF2-40B4-BE49-F238E27FC236}">
-                    <a16:creationId xmlns:a16="http://schemas.microsoft.com/office/drawing/2014/main" id="{F3FC990A-7EC1-46F7-819E-6D1F14F71D1D}"/>
-                  </a:ext>
-                </a:extLst>
-              </p:cNvPr>
-              <p:cNvSpPr txBox="1">
-                <a:spLocks noRot="1" noChangeAspect="1" noMove="1" noResize="1" noEditPoints="1" noAdjustHandles="1" noChangeArrowheads="1" noChangeShapeType="1" noTextEdit="1"/>
-              </p:cNvSpPr>
-              <p:nvPr/>
-            </p:nvSpPr>
-            <p:spPr>
-              <a:xfrm>
-                <a:off x="2313906" y="1160321"/>
-                <a:ext cx="3571431" cy="379784"/>
-              </a:xfrm>
-              <a:prstGeom prst="rect">
-                <a:avLst/>
-              </a:prstGeom>
-              <a:blipFill>
-                <a:blip r:embed="rId10"/>
-                <a:stretch>
-                  <a:fillRect l="-1538" t="-4762" b="-23810"/>
-                </a:stretch>
-              </a:blipFill>
-            </p:spPr>
-            <p:txBody>
-              <a:bodyPr/>
-              <a:lstStyle/>
-              <a:p>
-                <a:r>
-                  <a:rPr lang="zh-CN" altLang="en-US">
-                    <a:noFill/>
-                  </a:rPr>
-                  <a:t> </a:t>
-                </a:r>
-              </a:p>
-            </p:txBody>
-          </p:sp>
-        </mc:Fallback>
-      </mc:AlternateContent>
-      <p:sp>
-        <p:nvSpPr>
           <p:cNvPr id="31" name="矩形 30">
             <a:extLst>
               <a:ext uri="{FF2B5EF4-FFF2-40B4-BE49-F238E27FC236}">
@@ -11984,8 +11308,8 @@
         </p:nvSpPr>
         <p:spPr>
           <a:xfrm>
-            <a:off x="2010608" y="1601341"/>
-            <a:ext cx="1712328" cy="369332"/>
+            <a:off x="1331917" y="1594072"/>
+            <a:ext cx="3343159" cy="369332"/>
           </a:xfrm>
           <a:prstGeom prst="rect">
             <a:avLst/>
@@ -11999,16 +11323,6 @@
           <a:lstStyle/>
           <a:p>
             <a:r>
-              <a:rPr lang="zh-CN" altLang="en-US" b="1" dirty="0">
-                <a:solidFill>
-                  <a:srgbClr val="00B050"/>
-                </a:solidFill>
-                <a:latin typeface="微软雅黑" panose="020B0503020204020204" pitchFamily="34" charset="-122"/>
-                <a:ea typeface="微软雅黑" panose="020B0503020204020204" pitchFamily="34" charset="-122"/>
-              </a:rPr>
-              <a:t>节点</a:t>
-            </a:r>
-            <a:r>
               <a:rPr lang="en-US" altLang="zh-CN" b="1" dirty="0">
                 <a:solidFill>
                   <a:srgbClr val="00B050"/>
@@ -12016,27 +11330,24 @@
                 <a:latin typeface="微软雅黑" panose="020B0503020204020204" pitchFamily="34" charset="-122"/>
                 <a:ea typeface="微软雅黑" panose="020B0503020204020204" pitchFamily="34" charset="-122"/>
               </a:rPr>
-              <a:t>1</a:t>
+              <a:t>Node 1 known information</a:t>
             </a:r>
-            <a:r>
-              <a:rPr lang="zh-CN" altLang="en-US" b="1" dirty="0">
-                <a:solidFill>
-                  <a:srgbClr val="00B050"/>
-                </a:solidFill>
-                <a:latin typeface="微软雅黑" panose="020B0503020204020204" pitchFamily="34" charset="-122"/>
-                <a:ea typeface="微软雅黑" panose="020B0503020204020204" pitchFamily="34" charset="-122"/>
-              </a:rPr>
-              <a:t>已知信息</a:t>
-            </a:r>
+            <a:endParaRPr lang="zh-CN" altLang="en-US" b="1" dirty="0">
+              <a:solidFill>
+                <a:srgbClr val="00B050"/>
+              </a:solidFill>
+              <a:latin typeface="微软雅黑" panose="020B0503020204020204" pitchFamily="34" charset="-122"/>
+              <a:ea typeface="微软雅黑" panose="020B0503020204020204" pitchFamily="34" charset="-122"/>
+            </a:endParaRPr>
           </a:p>
         </p:txBody>
       </p:sp>
       <p:pic>
         <p:nvPicPr>
-          <p:cNvPr id="33" name="图片 32">
-            <a:extLst>
-              <a:ext uri="{FF2B5EF4-FFF2-40B4-BE49-F238E27FC236}">
-                <a16:creationId xmlns:a16="http://schemas.microsoft.com/office/drawing/2014/main" id="{261AA4D6-0FD8-4BEB-A7A9-8C0D1A23AC79}"/>
+          <p:cNvPr id="43" name="图片 42">
+            <a:extLst>
+              <a:ext uri="{FF2B5EF4-FFF2-40B4-BE49-F238E27FC236}">
+                <a16:creationId xmlns:a16="http://schemas.microsoft.com/office/drawing/2014/main" id="{3555A0B2-16DB-4490-8886-20A54597D659}"/>
               </a:ext>
             </a:extLst>
           </p:cNvPr>
@@ -12046,14 +11357,14 @@
           <p:nvPr/>
         </p:nvPicPr>
         <p:blipFill>
-          <a:blip r:embed="rId11"/>
+          <a:blip r:embed="rId10"/>
           <a:stretch>
             <a:fillRect/>
           </a:stretch>
         </p:blipFill>
         <p:spPr>
           <a:xfrm>
-            <a:off x="7945187" y="1762296"/>
+            <a:off x="6597631" y="3520451"/>
             <a:ext cx="577215" cy="548640"/>
           </a:xfrm>
           <a:prstGeom prst="rect">
@@ -12063,10 +11374,10 @@
       </p:pic>
       <p:cxnSp>
         <p:nvCxnSpPr>
-          <p:cNvPr id="34" name="直接箭头连接符 33">
-            <a:extLst>
-              <a:ext uri="{FF2B5EF4-FFF2-40B4-BE49-F238E27FC236}">
-                <a16:creationId xmlns:a16="http://schemas.microsoft.com/office/drawing/2014/main" id="{3576470F-464C-4605-9235-6A5A6227FBA3}"/>
+          <p:cNvPr id="44" name="直接箭头连接符 43">
+            <a:extLst>
+              <a:ext uri="{FF2B5EF4-FFF2-40B4-BE49-F238E27FC236}">
+                <a16:creationId xmlns:a16="http://schemas.microsoft.com/office/drawing/2014/main" id="{CF01BA48-722E-4B81-9B62-804E469DF936}"/>
               </a:ext>
             </a:extLst>
           </p:cNvPr>
@@ -12075,7 +11386,7 @@
         </p:nvCxnSpPr>
         <p:spPr>
           <a:xfrm>
-            <a:off x="7962332" y="3132944"/>
+            <a:off x="6614776" y="4891099"/>
             <a:ext cx="1286351" cy="0"/>
           </a:xfrm>
           <a:prstGeom prst="straightConnector1">
@@ -12106,10 +11417,10 @@
       </p:cxnSp>
       <p:sp>
         <p:nvSpPr>
-          <p:cNvPr id="35" name="圆角矩形 19">
-            <a:extLst>
-              <a:ext uri="{FF2B5EF4-FFF2-40B4-BE49-F238E27FC236}">
-                <a16:creationId xmlns:a16="http://schemas.microsoft.com/office/drawing/2014/main" id="{9D05353F-76CD-413A-81AB-59A9654D3D2A}"/>
+          <p:cNvPr id="45" name="圆角矩形 19">
+            <a:extLst>
+              <a:ext uri="{FF2B5EF4-FFF2-40B4-BE49-F238E27FC236}">
+                <a16:creationId xmlns:a16="http://schemas.microsoft.com/office/drawing/2014/main" id="{4398BF83-9884-4B12-BDC5-BB28EAFBCE5E}"/>
               </a:ext>
             </a:extLst>
           </p:cNvPr>
@@ -12118,7 +11429,7 @@
         </p:nvSpPr>
         <p:spPr>
           <a:xfrm>
-            <a:off x="8103778" y="3036742"/>
+            <a:off x="6756222" y="4794897"/>
             <a:ext cx="549593" cy="220504"/>
           </a:xfrm>
           <a:prstGeom prst="roundRect">
@@ -12165,10 +11476,40 @@
       </p:sp>
       <p:pic>
         <p:nvPicPr>
-          <p:cNvPr id="36" name="图片 35">
-            <a:extLst>
-              <a:ext uri="{FF2B5EF4-FFF2-40B4-BE49-F238E27FC236}">
-                <a16:creationId xmlns:a16="http://schemas.microsoft.com/office/drawing/2014/main" id="{9F09B750-41EF-43DE-B522-7592EE2D7304}"/>
+          <p:cNvPr id="46" name="图片 45">
+            <a:extLst>
+              <a:ext uri="{FF2B5EF4-FFF2-40B4-BE49-F238E27FC236}">
+                <a16:creationId xmlns:a16="http://schemas.microsoft.com/office/drawing/2014/main" id="{6BC94E96-B6E3-418D-BF55-8CF50B801D06}"/>
+              </a:ext>
+            </a:extLst>
+          </p:cNvPr>
+          <p:cNvPicPr>
+            <a:picLocks noChangeAspect="1"/>
+          </p:cNvPicPr>
+          <p:nvPr/>
+        </p:nvPicPr>
+        <p:blipFill>
+          <a:blip r:embed="rId11"/>
+          <a:stretch>
+            <a:fillRect/>
+          </a:stretch>
+        </p:blipFill>
+        <p:spPr>
+          <a:xfrm>
+            <a:off x="6597631" y="2889420"/>
+            <a:ext cx="565785" cy="594360"/>
+          </a:xfrm>
+          <a:prstGeom prst="rect">
+            <a:avLst/>
+          </a:prstGeom>
+        </p:spPr>
+      </p:pic>
+      <p:pic>
+        <p:nvPicPr>
+          <p:cNvPr id="47" name="图片 46">
+            <a:extLst>
+              <a:ext uri="{FF2B5EF4-FFF2-40B4-BE49-F238E27FC236}">
+                <a16:creationId xmlns:a16="http://schemas.microsoft.com/office/drawing/2014/main" id="{80B5FC52-45E7-49A0-B6BF-737A36F62B58}"/>
               </a:ext>
             </a:extLst>
           </p:cNvPr>
@@ -12185,37 +11526,7 @@
         </p:blipFill>
         <p:spPr>
           <a:xfrm>
-            <a:off x="7945187" y="1131265"/>
-            <a:ext cx="565785" cy="594360"/>
-          </a:xfrm>
-          <a:prstGeom prst="rect">
-            <a:avLst/>
-          </a:prstGeom>
-        </p:spPr>
-      </p:pic>
-      <p:pic>
-        <p:nvPicPr>
-          <p:cNvPr id="37" name="图片 36">
-            <a:extLst>
-              <a:ext uri="{FF2B5EF4-FFF2-40B4-BE49-F238E27FC236}">
-                <a16:creationId xmlns:a16="http://schemas.microsoft.com/office/drawing/2014/main" id="{CBCFFB38-4BCF-41F7-AE87-B34C5B6B9777}"/>
-              </a:ext>
-            </a:extLst>
-          </p:cNvPr>
-          <p:cNvPicPr>
-            <a:picLocks noChangeAspect="1"/>
-          </p:cNvPicPr>
-          <p:nvPr/>
-        </p:nvPicPr>
-        <p:blipFill>
-          <a:blip r:embed="rId13"/>
-          <a:stretch>
-            <a:fillRect/>
-          </a:stretch>
-        </p:blipFill>
-        <p:spPr>
-          <a:xfrm>
-            <a:off x="7888513" y="2336178"/>
+            <a:off x="6540957" y="4094333"/>
             <a:ext cx="697230" cy="668655"/>
           </a:xfrm>
           <a:prstGeom prst="rect">
@@ -12225,10 +11536,10 @@
       </p:pic>
       <p:sp>
         <p:nvSpPr>
-          <p:cNvPr id="38" name="文本框 37">
-            <a:extLst>
-              <a:ext uri="{FF2B5EF4-FFF2-40B4-BE49-F238E27FC236}">
-                <a16:creationId xmlns:a16="http://schemas.microsoft.com/office/drawing/2014/main" id="{FC7A2098-CF81-4363-9321-1EC8B634FA08}"/>
+          <p:cNvPr id="48" name="文本框 47">
+            <a:extLst>
+              <a:ext uri="{FF2B5EF4-FFF2-40B4-BE49-F238E27FC236}">
+                <a16:creationId xmlns:a16="http://schemas.microsoft.com/office/drawing/2014/main" id="{B96F8F70-592B-47E6-BF18-6A945E270F19}"/>
               </a:ext>
             </a:extLst>
           </p:cNvPr>
@@ -12237,8 +11548,8 @@
         </p:nvSpPr>
         <p:spPr>
           <a:xfrm>
-            <a:off x="8585743" y="1290332"/>
-            <a:ext cx="1569720" cy="300082"/>
+            <a:off x="7238186" y="3048487"/>
+            <a:ext cx="2612609" cy="300082"/>
           </a:xfrm>
           <a:prstGeom prst="rect">
             <a:avLst/>
@@ -12252,46 +11563,22 @@
           <a:lstStyle/>
           <a:p>
             <a:r>
-              <a:rPr lang="zh-CN" altLang="en-US" sz="1350">
-                <a:latin typeface="微软雅黑" panose="020B0503020204020204" charset="-122"/>
-                <a:ea typeface="微软雅黑" panose="020B0503020204020204" charset="-122"/>
-                <a:cs typeface="微软雅黑" panose="020B0503020204020204" charset="-122"/>
-              </a:rPr>
-              <a:t>机组</a:t>
-            </a:r>
-            <a:r>
               <a:rPr lang="en-US" altLang="zh-CN" sz="1350" dirty="0">
                 <a:latin typeface="微软雅黑" panose="020B0503020204020204" charset="-122"/>
                 <a:ea typeface="微软雅黑" panose="020B0503020204020204" charset="-122"/>
                 <a:cs typeface="微软雅黑" panose="020B0503020204020204" charset="-122"/>
               </a:rPr>
-              <a:t>1</a:t>
-            </a:r>
-            <a:r>
-              <a:rPr lang="zh-CN" altLang="en-US" sz="1350">
-                <a:latin typeface="微软雅黑" panose="020B0503020204020204" charset="-122"/>
-                <a:ea typeface="微软雅黑" panose="020B0503020204020204" charset="-122"/>
-                <a:cs typeface="微软雅黑" panose="020B0503020204020204" charset="-122"/>
-              </a:rPr>
-              <a:t>出力</a:t>
-            </a:r>
-            <a:r>
-              <a:rPr lang="en-US" altLang="zh-CN" sz="1350" dirty="0">
-                <a:latin typeface="微软雅黑" panose="020B0503020204020204" charset="-122"/>
-                <a:ea typeface="微软雅黑" panose="020B0503020204020204" charset="-122"/>
-                <a:cs typeface="微软雅黑" panose="020B0503020204020204" charset="-122"/>
-              </a:rPr>
-              <a:t>5MW</a:t>
+              <a:t>Generator set 1 output 5MW</a:t>
             </a:r>
           </a:p>
         </p:txBody>
       </p:sp>
       <p:sp>
         <p:nvSpPr>
-          <p:cNvPr id="39" name="文本框 38">
-            <a:extLst>
-              <a:ext uri="{FF2B5EF4-FFF2-40B4-BE49-F238E27FC236}">
-                <a16:creationId xmlns:a16="http://schemas.microsoft.com/office/drawing/2014/main" id="{19F3CC9F-1319-42EB-BE6C-4F47CF2B8C1F}"/>
+          <p:cNvPr id="49" name="文本框 48">
+            <a:extLst>
+              <a:ext uri="{FF2B5EF4-FFF2-40B4-BE49-F238E27FC236}">
+                <a16:creationId xmlns:a16="http://schemas.microsoft.com/office/drawing/2014/main" id="{AC611C12-FACF-4F3D-8B6D-0205D65B096F}"/>
               </a:ext>
             </a:extLst>
           </p:cNvPr>
@@ -12300,8 +11587,8 @@
         </p:nvSpPr>
         <p:spPr>
           <a:xfrm>
-            <a:off x="8585743" y="1898504"/>
-            <a:ext cx="1569720" cy="300082"/>
+            <a:off x="7238187" y="3656659"/>
+            <a:ext cx="2612608" cy="300082"/>
           </a:xfrm>
           <a:prstGeom prst="rect">
             <a:avLst/>
@@ -12315,46 +11602,22 @@
           <a:lstStyle/>
           <a:p>
             <a:r>
-              <a:rPr lang="zh-CN" altLang="en-US" sz="1350">
-                <a:latin typeface="微软雅黑" panose="020B0503020204020204" charset="-122"/>
-                <a:ea typeface="微软雅黑" panose="020B0503020204020204" charset="-122"/>
-                <a:cs typeface="微软雅黑" panose="020B0503020204020204" charset="-122"/>
-              </a:rPr>
-              <a:t>机组</a:t>
-            </a:r>
-            <a:r>
               <a:rPr lang="en-US" altLang="zh-CN" sz="1350" dirty="0">
                 <a:latin typeface="微软雅黑" panose="020B0503020204020204" charset="-122"/>
                 <a:ea typeface="微软雅黑" panose="020B0503020204020204" charset="-122"/>
                 <a:cs typeface="微软雅黑" panose="020B0503020204020204" charset="-122"/>
               </a:rPr>
-              <a:t>2</a:t>
-            </a:r>
-            <a:r>
-              <a:rPr lang="zh-CN" altLang="en-US" sz="1350">
-                <a:latin typeface="微软雅黑" panose="020B0503020204020204" charset="-122"/>
-                <a:ea typeface="微软雅黑" panose="020B0503020204020204" charset="-122"/>
-                <a:cs typeface="微软雅黑" panose="020B0503020204020204" charset="-122"/>
-              </a:rPr>
-              <a:t>出力</a:t>
-            </a:r>
-            <a:r>
-              <a:rPr lang="en-US" altLang="zh-CN" sz="1350" dirty="0">
-                <a:latin typeface="微软雅黑" panose="020B0503020204020204" charset="-122"/>
-                <a:ea typeface="微软雅黑" panose="020B0503020204020204" charset="-122"/>
-                <a:cs typeface="微软雅黑" panose="020B0503020204020204" charset="-122"/>
-              </a:rPr>
-              <a:t>2MW</a:t>
+              <a:t>Generator set 2 output 2MW</a:t>
             </a:r>
           </a:p>
         </p:txBody>
       </p:sp>
       <p:sp>
         <p:nvSpPr>
-          <p:cNvPr id="40" name="文本框 39">
-            <a:extLst>
-              <a:ext uri="{FF2B5EF4-FFF2-40B4-BE49-F238E27FC236}">
-                <a16:creationId xmlns:a16="http://schemas.microsoft.com/office/drawing/2014/main" id="{50FE2AA4-BB90-4997-8607-056EF1D6808D}"/>
+          <p:cNvPr id="50" name="文本框 49">
+            <a:extLst>
+              <a:ext uri="{FF2B5EF4-FFF2-40B4-BE49-F238E27FC236}">
+                <a16:creationId xmlns:a16="http://schemas.microsoft.com/office/drawing/2014/main" id="{985B6962-E17F-4DCC-A692-262979C3D621}"/>
               </a:ext>
             </a:extLst>
           </p:cNvPr>
@@ -12363,8 +11626,8 @@
         </p:nvSpPr>
         <p:spPr>
           <a:xfrm>
-            <a:off x="8585743" y="2460002"/>
-            <a:ext cx="1569720" cy="300082"/>
+            <a:off x="7238186" y="4218157"/>
+            <a:ext cx="2612607" cy="300082"/>
           </a:xfrm>
           <a:prstGeom prst="rect">
             <a:avLst/>
@@ -12378,46 +11641,22 @@
           <a:lstStyle/>
           <a:p>
             <a:r>
-              <a:rPr lang="zh-CN" altLang="en-US" sz="1350">
-                <a:latin typeface="微软雅黑" panose="020B0503020204020204" charset="-122"/>
-                <a:ea typeface="微软雅黑" panose="020B0503020204020204" charset="-122"/>
-                <a:cs typeface="微软雅黑" panose="020B0503020204020204" charset="-122"/>
-              </a:rPr>
-              <a:t>机组</a:t>
-            </a:r>
-            <a:r>
               <a:rPr lang="en-US" altLang="zh-CN" sz="1350" dirty="0">
                 <a:latin typeface="微软雅黑" panose="020B0503020204020204" charset="-122"/>
                 <a:ea typeface="微软雅黑" panose="020B0503020204020204" charset="-122"/>
                 <a:cs typeface="微软雅黑" panose="020B0503020204020204" charset="-122"/>
               </a:rPr>
-              <a:t>3</a:t>
-            </a:r>
-            <a:r>
-              <a:rPr lang="zh-CN" altLang="en-US" sz="1350">
-                <a:latin typeface="微软雅黑" panose="020B0503020204020204" charset="-122"/>
-                <a:ea typeface="微软雅黑" panose="020B0503020204020204" charset="-122"/>
-                <a:cs typeface="微软雅黑" panose="020B0503020204020204" charset="-122"/>
-              </a:rPr>
-              <a:t>出力</a:t>
-            </a:r>
-            <a:r>
-              <a:rPr lang="en-US" altLang="zh-CN" sz="1350" dirty="0">
-                <a:latin typeface="微软雅黑" panose="020B0503020204020204" charset="-122"/>
-                <a:ea typeface="微软雅黑" panose="020B0503020204020204" charset="-122"/>
-                <a:cs typeface="微软雅黑" panose="020B0503020204020204" charset="-122"/>
-              </a:rPr>
-              <a:t>1MW</a:t>
+              <a:t>Generator set 3 output 1MW</a:t>
             </a:r>
           </a:p>
         </p:txBody>
       </p:sp>
       <p:sp>
         <p:nvSpPr>
-          <p:cNvPr id="41" name="文本框 40">
-            <a:extLst>
-              <a:ext uri="{FF2B5EF4-FFF2-40B4-BE49-F238E27FC236}">
-                <a16:creationId xmlns:a16="http://schemas.microsoft.com/office/drawing/2014/main" id="{4AE7C691-B90D-4C71-90B2-2BC4C0D70969}"/>
+          <p:cNvPr id="51" name="文本框 50">
+            <a:extLst>
+              <a:ext uri="{FF2B5EF4-FFF2-40B4-BE49-F238E27FC236}">
+                <a16:creationId xmlns:a16="http://schemas.microsoft.com/office/drawing/2014/main" id="{E8542D98-A17E-4194-8D92-0BE9E3094C22}"/>
               </a:ext>
             </a:extLst>
           </p:cNvPr>
@@ -12426,8 +11665,8 @@
         </p:nvSpPr>
         <p:spPr>
           <a:xfrm>
-            <a:off x="8534266" y="3173425"/>
-            <a:ext cx="1688825" cy="923330"/>
+            <a:off x="6597631" y="5091005"/>
+            <a:ext cx="3216589" cy="715581"/>
           </a:xfrm>
           <a:prstGeom prst="rect">
             <a:avLst/>
@@ -12446,405 +11685,21 @@
                 <a:ea typeface="微软雅黑" panose="020B0503020204020204" charset="-122"/>
                 <a:cs typeface="微软雅黑" panose="020B0503020204020204" charset="-122"/>
               </a:rPr>
-              <a:t>consensus</a:t>
+              <a:t>The consensus graph edge weight</a:t>
             </a:r>
-            <a:r>
-              <a:rPr lang="zh-CN" altLang="en-US" sz="1350" dirty="0">
-                <a:latin typeface="微软雅黑" panose="020B0503020204020204" charset="-122"/>
-                <a:ea typeface="微软雅黑" panose="020B0503020204020204" charset="-122"/>
-                <a:cs typeface="微软雅黑" panose="020B0503020204020204" charset="-122"/>
-              </a:rPr>
-              <a:t>赋权图的边的权重，表示机组</a:t>
-            </a:r>
+          </a:p>
+          <a:p>
             <a:r>
               <a:rPr lang="en-US" altLang="zh-CN" sz="1350" dirty="0">
                 <a:latin typeface="微软雅黑" panose="020B0503020204020204" charset="-122"/>
                 <a:ea typeface="微软雅黑" panose="020B0503020204020204" charset="-122"/>
                 <a:cs typeface="微软雅黑" panose="020B0503020204020204" charset="-122"/>
               </a:rPr>
-              <a:t>1</a:t>
-            </a:r>
-            <a:r>
-              <a:rPr lang="zh-CN" altLang="en-US" sz="1350" dirty="0">
-                <a:latin typeface="微软雅黑" panose="020B0503020204020204" charset="-122"/>
-                <a:ea typeface="微软雅黑" panose="020B0503020204020204" charset="-122"/>
-                <a:cs typeface="微软雅黑" panose="020B0503020204020204" charset="-122"/>
-              </a:rPr>
-              <a:t>把</a:t>
-            </a:r>
-            <a:r>
-              <a:rPr lang="en-US" altLang="zh-CN" sz="1350" dirty="0">
-                <a:latin typeface="微软雅黑" panose="020B0503020204020204" charset="-122"/>
-                <a:ea typeface="微软雅黑" panose="020B0503020204020204" charset="-122"/>
-                <a:cs typeface="微软雅黑" panose="020B0503020204020204" charset="-122"/>
-              </a:rPr>
-              <a:t>50%</a:t>
-            </a:r>
-            <a:r>
-              <a:rPr lang="zh-CN" altLang="en-US" sz="1350" dirty="0">
-                <a:latin typeface="微软雅黑" panose="020B0503020204020204" charset="-122"/>
-                <a:ea typeface="微软雅黑" panose="020B0503020204020204" charset="-122"/>
-                <a:cs typeface="微软雅黑" panose="020B0503020204020204" charset="-122"/>
-              </a:rPr>
-              <a:t>的出力转让给机组</a:t>
-            </a:r>
-            <a:r>
-              <a:rPr lang="en-US" altLang="zh-CN" sz="1350" dirty="0">
-                <a:latin typeface="微软雅黑" panose="020B0503020204020204" charset="-122"/>
-                <a:ea typeface="微软雅黑" panose="020B0503020204020204" charset="-122"/>
-                <a:cs typeface="微软雅黑" panose="020B0503020204020204" charset="-122"/>
-              </a:rPr>
-              <a:t>2</a:t>
+              <a:t>Indicating that unit 1 transfers 50% of the output to unit 2</a:t>
             </a:r>
           </a:p>
         </p:txBody>
       </p:sp>
-      <mc:AlternateContent xmlns:mc="http://schemas.openxmlformats.org/markup-compatibility/2006" xmlns:a14="http://schemas.microsoft.com/office/drawing/2010/main">
-        <mc:Choice Requires="a14">
-          <p:sp>
-            <p:nvSpPr>
-              <p:cNvPr id="42" name="文本框 41">
-                <a:extLst>
-                  <a:ext uri="{FF2B5EF4-FFF2-40B4-BE49-F238E27FC236}">
-                    <a16:creationId xmlns:a16="http://schemas.microsoft.com/office/drawing/2014/main" id="{B6A46C77-E153-45A4-AA1C-54627F50FD7E}"/>
-                  </a:ext>
-                </a:extLst>
-              </p:cNvPr>
-              <p:cNvSpPr txBox="1"/>
-              <p:nvPr/>
-            </p:nvSpPr>
-            <p:spPr>
-              <a:xfrm>
-                <a:off x="7555930" y="4091705"/>
-                <a:ext cx="2926635" cy="1107547"/>
-              </a:xfrm>
-              <a:prstGeom prst="rect">
-                <a:avLst/>
-              </a:prstGeom>
-              <a:noFill/>
-            </p:spPr>
-            <p:txBody>
-              <a:bodyPr wrap="none" rtlCol="0">
-                <a:spAutoFit/>
-              </a:bodyPr>
-              <a:lstStyle/>
-              <a:p>
-                <a:r>
-                  <a:rPr lang="zh-CN" altLang="en-US" dirty="0">
-                    <a:solidFill>
-                      <a:srgbClr val="FF0000"/>
-                    </a:solidFill>
-                    <a:latin typeface="微软雅黑" panose="020B0503020204020204" pitchFamily="34" charset="-122"/>
-                    <a:ea typeface="微软雅黑" panose="020B0503020204020204" pitchFamily="34" charset="-122"/>
-                  </a:rPr>
-                  <a:t>过渡矩阵</a:t>
-                </a:r>
-                <a:endParaRPr lang="en-US" altLang="zh-CN" dirty="0">
-                  <a:solidFill>
-                    <a:srgbClr val="FF0000"/>
-                  </a:solidFill>
-                  <a:latin typeface="微软雅黑" panose="020B0503020204020204" pitchFamily="34" charset="-122"/>
-                  <a:ea typeface="微软雅黑" panose="020B0503020204020204" pitchFamily="34" charset="-122"/>
-                </a:endParaRPr>
-              </a:p>
-              <a:p>
-                <a:pPr/>
-                <a14:m>
-                  <m:oMathPara xmlns:m="http://schemas.openxmlformats.org/officeDocument/2006/math">
-                    <m:oMathParaPr>
-                      <m:jc m:val="centerGroup"/>
-                    </m:oMathParaPr>
-                    <m:oMath xmlns:m="http://schemas.openxmlformats.org/officeDocument/2006/math">
-                      <m:r>
-                        <a:rPr lang="en-US" altLang="zh-CN" b="0" i="1" smtClean="0">
-                          <a:latin typeface="Cambria Math" panose="02040503050406030204" pitchFamily="18" charset="0"/>
-                          <a:ea typeface="微软雅黑" panose="020B0503020204020204" pitchFamily="34" charset="-122"/>
-                        </a:rPr>
-                        <m:t>𝑄</m:t>
-                      </m:r>
-                      <m:r>
-                        <a:rPr lang="en-US" altLang="zh-CN" b="0" i="1" smtClean="0">
-                          <a:latin typeface="Cambria Math" panose="02040503050406030204" pitchFamily="18" charset="0"/>
-                          <a:ea typeface="微软雅黑" panose="020B0503020204020204" pitchFamily="34" charset="-122"/>
-                        </a:rPr>
-                        <m:t>=</m:t>
-                      </m:r>
-                      <m:d>
-                        <m:dPr>
-                          <m:begChr m:val="["/>
-                          <m:endChr m:val="]"/>
-                          <m:ctrlPr>
-                            <a:rPr lang="en-US" altLang="zh-CN" b="0" i="1" smtClean="0">
-                              <a:latin typeface="Cambria Math" panose="02040503050406030204" pitchFamily="18" charset="0"/>
-                              <a:ea typeface="微软雅黑" panose="020B0503020204020204" pitchFamily="34" charset="-122"/>
-                            </a:rPr>
-                          </m:ctrlPr>
-                        </m:dPr>
-                        <m:e>
-                          <m:m>
-                            <m:mPr>
-                              <m:mcs>
-                                <m:mc>
-                                  <m:mcPr>
-                                    <m:count m:val="3"/>
-                                    <m:mcJc m:val="center"/>
-                                  </m:mcPr>
-                                </m:mc>
-                              </m:mcs>
-                              <m:ctrlPr>
-                                <a:rPr lang="en-US" altLang="zh-CN" b="0" i="1" smtClean="0">
-                                  <a:latin typeface="Cambria Math" panose="02040503050406030204" pitchFamily="18" charset="0"/>
-                                  <a:ea typeface="微软雅黑" panose="020B0503020204020204" pitchFamily="34" charset="-122"/>
-                                </a:rPr>
-                              </m:ctrlPr>
-                            </m:mPr>
-                            <m:mr>
-                              <m:e>
-                                <m:r>
-                                  <m:rPr>
-                                    <m:brk m:alnAt="7"/>
-                                  </m:rPr>
-                                  <a:rPr lang="en-US" altLang="zh-CN" b="0" i="1" smtClean="0">
-                                    <a:latin typeface="Cambria Math" panose="02040503050406030204" pitchFamily="18" charset="0"/>
-                                    <a:ea typeface="微软雅黑" panose="020B0503020204020204" pitchFamily="34" charset="-122"/>
-                                  </a:rPr>
-                                  <m:t>0</m:t>
-                                </m:r>
-                                <m:r>
-                                  <a:rPr lang="en-US" altLang="zh-CN" b="0" i="1" smtClean="0">
-                                    <a:latin typeface="Cambria Math" panose="02040503050406030204" pitchFamily="18" charset="0"/>
-                                    <a:ea typeface="微软雅黑" panose="020B0503020204020204" pitchFamily="34" charset="-122"/>
-                                  </a:rPr>
-                                  <m:t>.5</m:t>
-                                </m:r>
-                                <m:r>
-                                  <a:rPr lang="en-US" altLang="zh-CN" i="1">
-                                    <a:latin typeface="Cambria Math" panose="02040503050406030204" pitchFamily="18" charset="0"/>
-                                    <a:ea typeface="微软雅黑" panose="020B0503020204020204" pitchFamily="34" charset="-122"/>
-                                  </a:rPr>
-                                  <m:t>0</m:t>
-                                </m:r>
-                              </m:e>
-                              <m:e>
-                                <m:r>
-                                  <a:rPr lang="en-US" altLang="zh-CN" b="0" i="1" smtClean="0">
-                                    <a:latin typeface="Cambria Math" panose="02040503050406030204" pitchFamily="18" charset="0"/>
-                                    <a:ea typeface="微软雅黑" panose="020B0503020204020204" pitchFamily="34" charset="-122"/>
-                                  </a:rPr>
-                                  <m:t>0</m:t>
-                                </m:r>
-                              </m:e>
-                              <m:e>
-                                <m:r>
-                                  <a:rPr lang="en-US" altLang="zh-CN" b="0" i="1" smtClean="0">
-                                    <a:latin typeface="Cambria Math" panose="02040503050406030204" pitchFamily="18" charset="0"/>
-                                    <a:ea typeface="微软雅黑" panose="020B0503020204020204" pitchFamily="34" charset="-122"/>
-                                  </a:rPr>
-                                  <m:t>0.</m:t>
-                                </m:r>
-                                <m:r>
-                                  <a:rPr lang="en-US" altLang="zh-CN" i="1">
-                                    <a:latin typeface="Cambria Math" panose="02040503050406030204" pitchFamily="18" charset="0"/>
-                                    <a:ea typeface="微软雅黑" panose="020B0503020204020204" pitchFamily="34" charset="-122"/>
-                                  </a:rPr>
-                                  <m:t>3</m:t>
-                                </m:r>
-                                <m:r>
-                                  <a:rPr lang="en-US" altLang="zh-CN" i="1" smtClean="0">
-                                    <a:latin typeface="Cambria Math" panose="02040503050406030204" pitchFamily="18" charset="0"/>
-                                    <a:ea typeface="微软雅黑" panose="020B0503020204020204" pitchFamily="34" charset="-122"/>
-                                  </a:rPr>
-                                  <m:t>3</m:t>
-                                </m:r>
-                              </m:e>
-                            </m:mr>
-                            <m:mr>
-                              <m:e>
-                                <m:r>
-                                  <a:rPr lang="en-US" altLang="zh-CN" b="0" i="1" smtClean="0">
-                                    <a:latin typeface="Cambria Math" panose="02040503050406030204" pitchFamily="18" charset="0"/>
-                                    <a:ea typeface="微软雅黑" panose="020B0503020204020204" pitchFamily="34" charset="-122"/>
-                                  </a:rPr>
-                                  <m:t>0.</m:t>
-                                </m:r>
-                                <m:r>
-                                  <a:rPr lang="en-US" altLang="zh-CN" i="1">
-                                    <a:latin typeface="Cambria Math" panose="02040503050406030204" pitchFamily="18" charset="0"/>
-                                    <a:ea typeface="微软雅黑" panose="020B0503020204020204" pitchFamily="34" charset="-122"/>
-                                  </a:rPr>
-                                  <m:t>5</m:t>
-                                </m:r>
-                                <m:r>
-                                  <a:rPr lang="en-US" altLang="zh-CN" i="1" smtClean="0">
-                                    <a:latin typeface="Cambria Math" panose="02040503050406030204" pitchFamily="18" charset="0"/>
-                                    <a:ea typeface="微软雅黑" panose="020B0503020204020204" pitchFamily="34" charset="-122"/>
-                                  </a:rPr>
-                                  <m:t>0</m:t>
-                                </m:r>
-                              </m:e>
-                              <m:e>
-                                <m:r>
-                                  <a:rPr lang="en-US" altLang="zh-CN" b="0" i="1" smtClean="0">
-                                    <a:latin typeface="Cambria Math" panose="02040503050406030204" pitchFamily="18" charset="0"/>
-                                    <a:ea typeface="微软雅黑" panose="020B0503020204020204" pitchFamily="34" charset="-122"/>
-                                  </a:rPr>
-                                  <m:t>0.</m:t>
-                                </m:r>
-                                <m:r>
-                                  <a:rPr lang="en-US" altLang="zh-CN" i="1">
-                                    <a:latin typeface="Cambria Math" panose="02040503050406030204" pitchFamily="18" charset="0"/>
-                                    <a:ea typeface="微软雅黑" panose="020B0503020204020204" pitchFamily="34" charset="-122"/>
-                                  </a:rPr>
-                                  <m:t>5</m:t>
-                                </m:r>
-                                <m:r>
-                                  <a:rPr lang="en-US" altLang="zh-CN" i="1" smtClean="0">
-                                    <a:latin typeface="Cambria Math" panose="02040503050406030204" pitchFamily="18" charset="0"/>
-                                    <a:ea typeface="微软雅黑" panose="020B0503020204020204" pitchFamily="34" charset="-122"/>
-                                  </a:rPr>
-                                  <m:t>0</m:t>
-                                </m:r>
-                              </m:e>
-                              <m:e>
-                                <m:r>
-                                  <a:rPr lang="en-US" altLang="zh-CN" b="0" i="1" smtClean="0">
-                                    <a:latin typeface="Cambria Math" panose="02040503050406030204" pitchFamily="18" charset="0"/>
-                                    <a:ea typeface="微软雅黑" panose="020B0503020204020204" pitchFamily="34" charset="-122"/>
-                                  </a:rPr>
-                                  <m:t>0.</m:t>
-                                </m:r>
-                                <m:r>
-                                  <a:rPr lang="en-US" altLang="zh-CN" i="1">
-                                    <a:latin typeface="Cambria Math" panose="02040503050406030204" pitchFamily="18" charset="0"/>
-                                    <a:ea typeface="微软雅黑" panose="020B0503020204020204" pitchFamily="34" charset="-122"/>
-                                  </a:rPr>
-                                  <m:t>3</m:t>
-                                </m:r>
-                                <m:r>
-                                  <a:rPr lang="en-US" altLang="zh-CN" i="1" smtClean="0">
-                                    <a:latin typeface="Cambria Math" panose="02040503050406030204" pitchFamily="18" charset="0"/>
-                                    <a:ea typeface="微软雅黑" panose="020B0503020204020204" pitchFamily="34" charset="-122"/>
-                                  </a:rPr>
-                                  <m:t>3</m:t>
-                                </m:r>
-                              </m:e>
-                            </m:mr>
-                            <m:mr>
-                              <m:e>
-                                <m:r>
-                                  <a:rPr lang="en-US" altLang="zh-CN" b="0" i="1" smtClean="0">
-                                    <a:latin typeface="Cambria Math" panose="02040503050406030204" pitchFamily="18" charset="0"/>
-                                    <a:ea typeface="微软雅黑" panose="020B0503020204020204" pitchFamily="34" charset="-122"/>
-                                  </a:rPr>
-                                  <m:t>0</m:t>
-                                </m:r>
-                              </m:e>
-                              <m:e>
-                                <m:r>
-                                  <a:rPr lang="en-US" altLang="zh-CN" b="0" i="1" smtClean="0">
-                                    <a:latin typeface="Cambria Math" panose="02040503050406030204" pitchFamily="18" charset="0"/>
-                                    <a:ea typeface="微软雅黑" panose="020B0503020204020204" pitchFamily="34" charset="-122"/>
-                                  </a:rPr>
-                                  <m:t>0.</m:t>
-                                </m:r>
-                                <m:r>
-                                  <a:rPr lang="en-US" altLang="zh-CN" i="1">
-                                    <a:latin typeface="Cambria Math" panose="02040503050406030204" pitchFamily="18" charset="0"/>
-                                    <a:ea typeface="微软雅黑" panose="020B0503020204020204" pitchFamily="34" charset="-122"/>
-                                  </a:rPr>
-                                  <m:t>5</m:t>
-                                </m:r>
-                                <m:r>
-                                  <a:rPr lang="en-US" altLang="zh-CN" i="1" smtClean="0">
-                                    <a:latin typeface="Cambria Math" panose="02040503050406030204" pitchFamily="18" charset="0"/>
-                                    <a:ea typeface="微软雅黑" panose="020B0503020204020204" pitchFamily="34" charset="-122"/>
-                                  </a:rPr>
-                                  <m:t>0</m:t>
-                                </m:r>
-                              </m:e>
-                              <m:e>
-                                <m:r>
-                                  <a:rPr lang="en-US" altLang="zh-CN" b="0" i="1" smtClean="0">
-                                    <a:latin typeface="Cambria Math" panose="02040503050406030204" pitchFamily="18" charset="0"/>
-                                    <a:ea typeface="微软雅黑" panose="020B0503020204020204" pitchFamily="34" charset="-122"/>
-                                  </a:rPr>
-                                  <m:t>0.</m:t>
-                                </m:r>
-                                <m:r>
-                                  <a:rPr lang="en-US" altLang="zh-CN" i="1">
-                                    <a:latin typeface="Cambria Math" panose="02040503050406030204" pitchFamily="18" charset="0"/>
-                                    <a:ea typeface="微软雅黑" panose="020B0503020204020204" pitchFamily="34" charset="-122"/>
-                                  </a:rPr>
-                                  <m:t>3</m:t>
-                                </m:r>
-                                <m:r>
-                                  <a:rPr lang="en-US" altLang="zh-CN" i="1" smtClean="0">
-                                    <a:latin typeface="Cambria Math" panose="02040503050406030204" pitchFamily="18" charset="0"/>
-                                    <a:ea typeface="微软雅黑" panose="020B0503020204020204" pitchFamily="34" charset="-122"/>
-                                  </a:rPr>
-                                  <m:t>3</m:t>
-                                </m:r>
-                              </m:e>
-                            </m:mr>
-                          </m:m>
-                        </m:e>
-                      </m:d>
-                    </m:oMath>
-                  </m:oMathPara>
-                </a14:m>
-                <a:endParaRPr lang="zh-CN" altLang="en-US" dirty="0">
-                  <a:latin typeface="微软雅黑" panose="020B0503020204020204" pitchFamily="34" charset="-122"/>
-                  <a:ea typeface="微软雅黑" panose="020B0503020204020204" pitchFamily="34" charset="-122"/>
-                </a:endParaRPr>
-              </a:p>
-            </p:txBody>
-          </p:sp>
-        </mc:Choice>
-        <mc:Fallback xmlns="">
-          <p:sp>
-            <p:nvSpPr>
-              <p:cNvPr id="42" name="文本框 41">
-                <a:extLst>
-                  <a:ext uri="{FF2B5EF4-FFF2-40B4-BE49-F238E27FC236}">
-                    <a16:creationId xmlns:a16="http://schemas.microsoft.com/office/drawing/2014/main" id="{B6A46C77-E153-45A4-AA1C-54627F50FD7E}"/>
-                  </a:ext>
-                </a:extLst>
-              </p:cNvPr>
-              <p:cNvSpPr txBox="1">
-                <a:spLocks noRot="1" noChangeAspect="1" noMove="1" noResize="1" noEditPoints="1" noAdjustHandles="1" noChangeArrowheads="1" noChangeShapeType="1" noTextEdit="1"/>
-              </p:cNvSpPr>
-              <p:nvPr/>
-            </p:nvSpPr>
-            <p:spPr>
-              <a:xfrm>
-                <a:off x="7555930" y="4091705"/>
-                <a:ext cx="2926635" cy="1107547"/>
-              </a:xfrm>
-              <a:prstGeom prst="rect">
-                <a:avLst/>
-              </a:prstGeom>
-              <a:blipFill>
-                <a:blip r:embed="rId14"/>
-                <a:stretch>
-                  <a:fillRect l="-1663" t="-2747"/>
-                </a:stretch>
-              </a:blipFill>
-            </p:spPr>
-            <p:txBody>
-              <a:bodyPr/>
-              <a:lstStyle/>
-              <a:p>
-                <a:r>
-                  <a:rPr lang="zh-CN" altLang="en-US">
-                    <a:noFill/>
-                  </a:rPr>
-                  <a:t> </a:t>
-                </a:r>
-              </a:p>
-            </p:txBody>
-          </p:sp>
-        </mc:Fallback>
-      </mc:AlternateContent>
     </p:spTree>
     <p:extLst>
       <p:ext uri="{BB962C8B-B14F-4D97-AF65-F5344CB8AC3E}">
@@ -12881,7 +11736,7 @@
                                     <p:cond delay="0"/>
                                   </p:stCondLst>
                                   <p:childTnLst>
-                                    <p:animMotion origin="layout" path="M 1.66667E-6 2.22222E-6 L 0.25 2.22222E-6 " pathEditMode="relative" rAng="0" ptsTypes="AA">
+                                    <p:animMotion origin="layout" path="M 1.66667E-6 2.22222E-6 L 0.17734 0.00139 " pathEditMode="relative" rAng="0" ptsTypes="AA">
                                       <p:cBhvr>
                                         <p:cTn id="6" dur="2000" fill="hold"/>
                                         <p:tgtEl>
@@ -12892,7 +11747,7 @@
                                           <p:attrName>ppt_y</p:attrName>
                                         </p:attrNameLst>
                                       </p:cBhvr>
-                                      <p:rCtr x="12500" y="0"/>
+                                      <p:rCtr x="8867" y="69"/>
                                     </p:animMotion>
                                   </p:childTnLst>
                                 </p:cTn>
@@ -12903,7 +11758,7 @@
                                     <p:cond delay="0"/>
                                   </p:stCondLst>
                                   <p:childTnLst>
-                                    <p:animMotion origin="layout" path="M -3.95833E-6 1.85185E-6 L 0.25 1.85185E-6 " pathEditMode="relative" rAng="0" ptsTypes="AA">
+                                    <p:animMotion origin="layout" path="M -3.95833E-6 1.85185E-6 L 0.17813 -0.00023 " pathEditMode="relative" rAng="0" ptsTypes="AA">
                                       <p:cBhvr>
                                         <p:cTn id="8" dur="2000" fill="hold"/>
                                         <p:tgtEl>
@@ -12914,7 +11769,7 @@
                                           <p:attrName>ppt_y</p:attrName>
                                         </p:attrNameLst>
                                       </p:cBhvr>
-                                      <p:rCtr x="12500" y="0"/>
+                                      <p:rCtr x="8906" y="-23"/>
                                     </p:animMotion>
                                   </p:childTnLst>
                                 </p:cTn>
@@ -12969,7 +11824,7 @@
                                     <p:cond delay="0"/>
                                   </p:stCondLst>
                                   <p:childTnLst>
-                                    <p:animMotion origin="layout" path="M -3.75E-6 2.59259E-6 L 0.10925 -0.19422 " pathEditMode="relative" rAng="0" ptsTypes="AA">
+                                    <p:animMotion origin="layout" path="M -3.75E-6 2.59259E-6 L 0.07995 -0.18172 " pathEditMode="relative" rAng="0" ptsTypes="AA">
                                       <p:cBhvr>
                                         <p:cTn id="14" dur="2000" fill="hold"/>
                                         <p:tgtEl>
@@ -12980,7 +11835,7 @@
                                           <p:attrName>ppt_y</p:attrName>
                                         </p:attrNameLst>
                                       </p:cBhvr>
-                                      <p:rCtr x="5456" y="-9722"/>
+                                      <p:rCtr x="3997" y="-9097"/>
                                     </p:animMotion>
                                   </p:childTnLst>
                                 </p:cTn>
@@ -12991,7 +11846,7 @@
                                     <p:cond delay="0"/>
                                   </p:stCondLst>
                                   <p:childTnLst>
-                                    <p:animMotion origin="layout" path="M 1.45833E-6 4.81481E-6 L 0.10976 -0.19653 " pathEditMode="relative" rAng="0" ptsTypes="AA">
+                                    <p:animMotion origin="layout" path="M 1.45833E-6 4.81481E-6 L 0.08489 -0.18033 " pathEditMode="relative" rAng="0" ptsTypes="AA">
                                       <p:cBhvr>
                                         <p:cTn id="16" dur="2000" fill="hold"/>
                                         <p:tgtEl>
@@ -13002,7 +11857,7 @@
                                           <p:attrName>ppt_y</p:attrName>
                                         </p:attrNameLst>
                                       </p:cBhvr>
-                                      <p:rCtr x="5482" y="-9838"/>
+                                      <p:rCtr x="4245" y="-9028"/>
                                     </p:animMotion>
                                   </p:childTnLst>
                                 </p:cTn>
@@ -13013,7 +11868,7 @@
                                     <p:cond delay="0"/>
                                   </p:stCondLst>
                                   <p:childTnLst>
-                                    <p:animMotion origin="layout" path="M 2.70833E-6 4.07407E-6 L -0.13867 0.28449 " pathEditMode="relative" rAng="0" ptsTypes="AA">
+                                    <p:animMotion origin="layout" path="M 2.70833E-6 4.07407E-6 L -0.09688 0.26944 " pathEditMode="relative" rAng="0" ptsTypes="AA">
                                       <p:cBhvr>
                                         <p:cTn id="18" dur="2000" fill="hold"/>
                                         <p:tgtEl>
@@ -13024,7 +11879,7 @@
                                           <p:attrName>ppt_y</p:attrName>
                                         </p:attrNameLst>
                                       </p:cBhvr>
-                                      <p:rCtr x="-6940" y="14213"/>
+                                      <p:rCtr x="-4844" y="13472"/>
                                     </p:animMotion>
                                   </p:childTnLst>
                                 </p:cTn>
@@ -13035,7 +11890,7 @@
                                     <p:cond delay="0"/>
                                   </p:stCondLst>
                                   <p:childTnLst>
-                                    <p:animMotion origin="layout" path="M 4.375E-6 3.33333E-6 L -0.1375 0.28657 " pathEditMode="relative" rAng="0" ptsTypes="AA">
+                                    <p:animMotion origin="layout" path="M 4.375E-6 3.33333E-6 L -0.09206 0.25995 " pathEditMode="relative" rAng="0" ptsTypes="AA">
                                       <p:cBhvr>
                                         <p:cTn id="20" dur="2000" fill="hold"/>
                                         <p:tgtEl>
@@ -13046,7 +11901,7 @@
                                           <p:attrName>ppt_y</p:attrName>
                                         </p:attrNameLst>
                                       </p:cBhvr>
-                                      <p:rCtr x="-6875" y="14329"/>
+                                      <p:rCtr x="-4609" y="12986"/>
                                     </p:animMotion>
                                   </p:childTnLst>
                                 </p:cTn>
